--- a/tr.pptx
+++ b/tr.pptx
@@ -4,8 +4,13 @@
   <p:sldMasterIdLst>
     <p:sldMasterId id="2147483648" r:id="rId1"/>
   </p:sldMasterIdLst>
+  <p:notesMasterIdLst>
+    <p:notesMasterId r:id="rId6"/>
+  </p:notesMasterIdLst>
   <p:sldIdLst>
     <p:sldId id="256" r:id="rId3"/>
+    <p:sldId id="257" r:id="rId4"/>
+    <p:sldId id="258" r:id="rId5"/>
   </p:sldIdLst>
   <p:sldSz cx="12192000" cy="6858000"/>
   <p:notesSz cx="6858000" cy="9144000"/>
@@ -105,6 +110,1325 @@
     </a:lvl9pPr>
   </p:defaultTextStyle>
 </p:presentation>
+</file>
+
+<file path=ppt/commentAuthors.xml><?xml version="1.0" encoding="utf-8"?>
+<p:cmAuthorLst xmlns:a="http://schemas.openxmlformats.org/drawingml/2006/main" xmlns:r="http://schemas.openxmlformats.org/officeDocument/2006/relationships" xmlns:p="http://schemas.openxmlformats.org/presentationml/2006/main">
+  <p:cmAuthor id="1" name="WPS" initials="W" lastIdx="1" clrIdx="0"/>
+  <p:cmAuthor id="2" name="作者" initials="A" lastIdx="0" clrIdx="1"/>
+</p:cmAuthorLst>
+</file>
+
+<file path=ppt/charts/chart1.xml><?xml version="1.0" encoding="utf-8"?>
+<c:chartSpace xmlns:c="http://schemas.openxmlformats.org/drawingml/2006/chart" xmlns:a="http://schemas.openxmlformats.org/drawingml/2006/main" xmlns:r="http://schemas.openxmlformats.org/officeDocument/2006/relationships">
+  <c:date1904 val="0"/>
+  <c:lang val="zh-CN"/>
+  <c:roundedCorners val="1"/>
+  <mc:AlternateContent xmlns:mc="http://schemas.openxmlformats.org/markup-compatibility/2006">
+    <mc:Choice xmlns:c14="http://schemas.microsoft.com/office/drawing/2007/8/2/chart" Requires="c14">
+      <c14:style val="102"/>
+    </mc:Choice>
+    <mc:Fallback>
+      <c:style val="2"/>
+    </mc:Fallback>
+  </mc:AlternateContent>
+  <c:chart>
+    <c:autoTitleDeleted val="1"/>
+    <c:plotArea>
+      <c:layout>
+        <c:manualLayout>
+          <c:layoutTarget val="inner"/>
+          <c:xMode val="edge"/>
+          <c:yMode val="edge"/>
+          <c:x val="0.125569195257581"/>
+          <c:y val="0.0452270977675135"/>
+          <c:w val="0.859322211730144"/>
+          <c:h val="0.813163972286374"/>
+        </c:manualLayout>
+      </c:layout>
+      <c:barChart>
+        <c:barDir val="bar"/>
+        <c:grouping val="clustered"/>
+        <c:varyColors val="0"/>
+        <c:ser>
+          <c:idx val="0"/>
+          <c:order val="0"/>
+          <c:tx>
+            <c:strRef>
+              <c:f>Sheet1!$B$1</c:f>
+              <c:strCache>
+                <c:ptCount val="1"/>
+                <c:pt idx="0">
+                  <c:v>系列 1</c:v>
+                </c:pt>
+              </c:strCache>
+            </c:strRef>
+          </c:tx>
+          <c:spPr>
+            <a:solidFill>
+              <a:schemeClr val="accent1"/>
+            </a:solidFill>
+            <a:ln>
+              <a:noFill/>
+            </a:ln>
+            <a:effectLst>
+              <a:outerShdw blurRad="50800" dist="38100" dir="5400000" algn="t" rotWithShape="0">
+                <a:srgbClr val="376FFF">
+                  <a:lumMod val="20000"/>
+                  <a:lumOff val="80000"/>
+                  <a:alpha val="20000"/>
+                </a:srgbClr>
+              </a:outerShdw>
+            </a:effectLst>
+          </c:spPr>
+          <c:invertIfNegative val="0"/>
+          <c:dLbls>
+            <c:delete val="1"/>
+          </c:dLbls>
+          <c:cat>
+            <c:strRef>
+              <c:f>Sheet1!$A$2:$A$5</c:f>
+              <c:strCache>
+                <c:ptCount val="4"/>
+                <c:pt idx="0">
+                  <c:v>类别 1</c:v>
+                </c:pt>
+                <c:pt idx="1">
+                  <c:v>类别 2</c:v>
+                </c:pt>
+                <c:pt idx="2">
+                  <c:v>类别 3</c:v>
+                </c:pt>
+                <c:pt idx="3">
+                  <c:v>类别 4</c:v>
+                </c:pt>
+              </c:strCache>
+            </c:strRef>
+          </c:cat>
+          <c:val>
+            <c:numRef>
+              <c:f>Sheet1!$B$2:$B$5</c:f>
+              <c:numCache>
+                <c:formatCode>General</c:formatCode>
+                <c:ptCount val="4"/>
+                <c:pt idx="0">
+                  <c:v>4.3</c:v>
+                </c:pt>
+                <c:pt idx="1">
+                  <c:v>2.5</c:v>
+                </c:pt>
+                <c:pt idx="2">
+                  <c:v>3.5</c:v>
+                </c:pt>
+                <c:pt idx="3">
+                  <c:v>4.5</c:v>
+                </c:pt>
+              </c:numCache>
+            </c:numRef>
+          </c:val>
+        </c:ser>
+        <c:ser>
+          <c:idx val="1"/>
+          <c:order val="1"/>
+          <c:tx>
+            <c:strRef>
+              <c:f>Sheet1!$C$1</c:f>
+              <c:strCache>
+                <c:ptCount val="1"/>
+                <c:pt idx="0">
+                  <c:v>系列 2</c:v>
+                </c:pt>
+              </c:strCache>
+            </c:strRef>
+          </c:tx>
+          <c:spPr>
+            <a:solidFill>
+              <a:schemeClr val="accent1">
+                <a:lumMod val="60000"/>
+                <a:lumOff val="40000"/>
+              </a:schemeClr>
+            </a:solidFill>
+            <a:ln>
+              <a:noFill/>
+            </a:ln>
+            <a:effectLst>
+              <a:outerShdw blurRad="38100" dist="38100" dir="5400000" algn="t" rotWithShape="0">
+                <a:srgbClr val="376FFF">
+                  <a:lumMod val="20000"/>
+                  <a:lumOff val="80000"/>
+                  <a:alpha val="20000"/>
+                </a:srgbClr>
+              </a:outerShdw>
+            </a:effectLst>
+          </c:spPr>
+          <c:invertIfNegative val="0"/>
+          <c:dLbls>
+            <c:delete val="1"/>
+          </c:dLbls>
+          <c:cat>
+            <c:strRef>
+              <c:f>Sheet1!$A$2:$A$5</c:f>
+              <c:strCache>
+                <c:ptCount val="4"/>
+                <c:pt idx="0">
+                  <c:v>类别 1</c:v>
+                </c:pt>
+                <c:pt idx="1">
+                  <c:v>类别 2</c:v>
+                </c:pt>
+                <c:pt idx="2">
+                  <c:v>类别 3</c:v>
+                </c:pt>
+                <c:pt idx="3">
+                  <c:v>类别 4</c:v>
+                </c:pt>
+              </c:strCache>
+            </c:strRef>
+          </c:cat>
+          <c:val>
+            <c:numRef>
+              <c:f>Sheet1!$C$2:$C$5</c:f>
+              <c:numCache>
+                <c:formatCode>General</c:formatCode>
+                <c:ptCount val="4"/>
+                <c:pt idx="0">
+                  <c:v>2.4</c:v>
+                </c:pt>
+                <c:pt idx="1">
+                  <c:v>4.4</c:v>
+                </c:pt>
+                <c:pt idx="2">
+                  <c:v>1.8</c:v>
+                </c:pt>
+                <c:pt idx="3">
+                  <c:v>2.8</c:v>
+                </c:pt>
+              </c:numCache>
+            </c:numRef>
+          </c:val>
+        </c:ser>
+        <c:dLbls>
+          <c:showLegendKey val="0"/>
+          <c:showVal val="0"/>
+          <c:showCatName val="0"/>
+          <c:showSerName val="0"/>
+          <c:showPercent val="0"/>
+          <c:showBubbleSize val="0"/>
+        </c:dLbls>
+        <c:gapWidth val="219"/>
+        <c:overlap val="-27"/>
+        <c:axId val="555155788"/>
+        <c:axId val="347468155"/>
+      </c:barChart>
+      <c:catAx>
+        <c:axId val="555155788"/>
+        <c:scaling>
+          <c:orientation val="minMax"/>
+        </c:scaling>
+        <c:delete val="0"/>
+        <c:axPos val="l"/>
+        <c:numFmt formatCode="General" sourceLinked="1"/>
+        <c:majorTickMark val="out"/>
+        <c:minorTickMark val="none"/>
+        <c:tickLblPos val="nextTo"/>
+        <c:spPr>
+          <a:noFill/>
+          <a:ln w="9525" cap="flat" cmpd="sng" algn="ctr">
+            <a:noFill/>
+            <a:round/>
+          </a:ln>
+          <a:effectLst/>
+        </c:spPr>
+        <c:txPr>
+          <a:bodyPr rot="-60000000" spcFirstLastPara="0" vertOverflow="ellipsis" vert="horz" wrap="square" anchor="ctr" anchorCtr="1" forceAA="0"/>
+          <a:lstStyle/>
+          <a:p>
+            <a:pPr>
+              <a:defRPr lang="zh-CN" sz="1000" b="0" i="0" u="none" strike="noStrike" kern="1200" baseline="0">
+                <a:solidFill>
+                  <a:srgbClr val="FFFFFF"/>
+                </a:solidFill>
+                <a:latin typeface="微软雅黑" panose="020B0503020204020204" charset="-122"/>
+                <a:ea typeface="微软雅黑" panose="020B0503020204020204" charset="-122"/>
+                <a:cs typeface="微软雅黑" panose="020B0503020204020204" charset="-122"/>
+                <a:sym typeface="微软雅黑" panose="020B0503020204020204" charset="-122"/>
+              </a:defRPr>
+            </a:pPr>
+          </a:p>
+        </c:txPr>
+        <c:crossAx val="347468155"/>
+        <c:crosses val="autoZero"/>
+        <c:auto val="0"/>
+        <c:lblAlgn val="ctr"/>
+        <c:lblOffset val="300"/>
+        <c:noMultiLvlLbl val="0"/>
+      </c:catAx>
+      <c:valAx>
+        <c:axId val="347468155"/>
+        <c:scaling>
+          <c:orientation val="minMax"/>
+          <c:min val="1"/>
+        </c:scaling>
+        <c:delete val="0"/>
+        <c:axPos val="b"/>
+        <c:numFmt formatCode="General" sourceLinked="0"/>
+        <c:majorTickMark val="none"/>
+        <c:minorTickMark val="none"/>
+        <c:tickLblPos val="nextTo"/>
+        <c:spPr>
+          <a:noFill/>
+          <a:ln>
+            <a:solidFill>
+              <a:schemeClr val="accent1">
+                <a:lumMod val="20000"/>
+                <a:lumOff val="80000"/>
+              </a:schemeClr>
+            </a:solidFill>
+          </a:ln>
+          <a:effectLst/>
+        </c:spPr>
+        <c:txPr>
+          <a:bodyPr rot="-60000000" spcFirstLastPara="0" vertOverflow="ellipsis" vert="horz" wrap="square" anchor="ctr" anchorCtr="1" forceAA="0"/>
+          <a:lstStyle/>
+          <a:p>
+            <a:pPr>
+              <a:defRPr lang="zh-CN" sz="1000" b="0" i="0" u="none" strike="noStrike" kern="1200" baseline="0">
+                <a:solidFill>
+                  <a:schemeClr val="tx1">
+                    <a:lumMod val="65000"/>
+                    <a:lumOff val="35000"/>
+                  </a:schemeClr>
+                </a:solidFill>
+                <a:latin typeface="微软雅黑" panose="020B0503020204020204" charset="-122"/>
+                <a:ea typeface="微软雅黑" panose="020B0503020204020204" charset="-122"/>
+                <a:cs typeface="微软雅黑" panose="020B0503020204020204" charset="-122"/>
+                <a:sym typeface="微软雅黑" panose="020B0503020204020204" charset="-122"/>
+              </a:defRPr>
+            </a:pPr>
+          </a:p>
+        </c:txPr>
+        <c:crossAx val="555155788"/>
+        <c:crosses val="autoZero"/>
+        <c:crossBetween val="between"/>
+        <c:majorUnit val="1"/>
+      </c:valAx>
+      <c:spPr>
+        <a:noFill/>
+        <a:ln>
+          <a:noFill/>
+        </a:ln>
+        <a:effectLst/>
+      </c:spPr>
+    </c:plotArea>
+    <c:plotVisOnly val="1"/>
+    <c:dispBlanksAs val="gap"/>
+    <c:showDLblsOverMax val="0"/>
+    <c:extLst>
+      <c:ext uri="{0b15fc19-7d7d-44ad-8c2d-2c3a37ce22c3}">
+        <chartProps xmlns="https://web.wps.cn/et/2018/main" chartId="{3c4eaf71-f820-4578-8e9a-ec87c36e6f61}"/>
+      </c:ext>
+    </c:extLst>
+  </c:chart>
+  <c:spPr>
+    <a:noFill/>
+    <a:ln w="9525" cap="flat" cmpd="sng" algn="ctr">
+      <a:noFill/>
+      <a:round/>
+    </a:ln>
+    <a:effectLst/>
+  </c:spPr>
+  <c:txPr>
+    <a:bodyPr/>
+    <a:lstStyle/>
+    <a:p>
+      <a:pPr>
+        <a:defRPr lang="zh-CN" sz="1200" b="1">
+          <a:solidFill>
+            <a:srgbClr val="000000">
+              <a:lumMod val="65000"/>
+              <a:lumOff val="35000"/>
+            </a:srgbClr>
+          </a:solidFill>
+          <a:latin typeface="微软雅黑" panose="020B0503020204020204" charset="-122"/>
+          <a:ea typeface="微软雅黑" panose="020B0503020204020204" charset="-122"/>
+          <a:cs typeface="微软雅黑" panose="020B0503020204020204" charset="-122"/>
+          <a:sym typeface="微软雅黑" panose="020B0503020204020204" charset="-122"/>
+        </a:defRPr>
+      </a:pPr>
+    </a:p>
+  </c:txPr>
+  <c:externalData r:id="rId1">
+    <c:autoUpdate val="0"/>
+  </c:externalData>
+</c:chartSpace>
+</file>
+
+<file path=ppt/charts/colors1.xml><?xml version="1.0" encoding="utf-8"?>
+<cs:colorStyle xmlns:cs="http://schemas.microsoft.com/office/drawing/2012/chartStyle" xmlns:a="http://schemas.openxmlformats.org/drawingml/2006/main" meth="cycle" id="10">
+  <a:schemeClr val="accent1"/>
+  <a:schemeClr val="accent2"/>
+  <a:schemeClr val="accent3"/>
+  <a:schemeClr val="accent4"/>
+  <a:schemeClr val="accent5"/>
+  <a:schemeClr val="accent6"/>
+  <cs:variation/>
+  <cs:variation>
+    <a:lumMod val="60000"/>
+  </cs:variation>
+  <cs:variation>
+    <a:lumMod val="80000"/>
+    <a:lumOff val="20000"/>
+  </cs:variation>
+  <cs:variation>
+    <a:lumMod val="80000"/>
+  </cs:variation>
+  <cs:variation>
+    <a:lumMod val="60000"/>
+    <a:lumOff val="40000"/>
+  </cs:variation>
+  <cs:variation>
+    <a:lumMod val="50000"/>
+  </cs:variation>
+  <cs:variation>
+    <a:lumMod val="70000"/>
+    <a:lumOff val="30000"/>
+  </cs:variation>
+  <cs:variation>
+    <a:lumMod val="70000"/>
+  </cs:variation>
+  <cs:variation>
+    <a:lumMod val="50000"/>
+    <a:lumOff val="50000"/>
+  </cs:variation>
+</cs:colorStyle>
+</file>
+
+<file path=ppt/charts/style1.xml><?xml version="1.0" encoding="utf-8"?>
+<cs:chartStyle xmlns:cs="http://schemas.microsoft.com/office/drawing/2012/chartStyle" xmlns:a="http://schemas.openxmlformats.org/drawingml/2006/main" id="201">
+  <cs:axisTitle>
+    <cs:lnRef idx="0"/>
+    <cs:fillRef idx="0"/>
+    <cs:effectRef idx="0"/>
+    <cs:fontRef idx="minor">
+      <a:srgbClr val="000000">
+        <a:lumMod val="65000"/>
+        <a:lumOff val="35000"/>
+      </a:srgbClr>
+    </cs:fontRef>
+    <cs:defRPr sz="1000" kern="1200"/>
+  </cs:axisTitle>
+  <cs:categoryAxis>
+    <cs:lnRef idx="0"/>
+    <cs:fillRef idx="0"/>
+    <cs:effectRef idx="0"/>
+    <cs:fontRef idx="minor">
+      <a:srgbClr val="000000">
+        <a:lumMod val="65000"/>
+        <a:lumOff val="35000"/>
+      </a:srgbClr>
+    </cs:fontRef>
+    <cs:spPr>
+      <a:ln w="9525" cap="flat" cmpd="sng" algn="ctr">
+        <a:solidFill>
+          <a:srgbClr val="000000">
+            <a:lumMod val="15000"/>
+            <a:lumOff val="85000"/>
+          </a:srgbClr>
+        </a:solidFill>
+        <a:round/>
+      </a:ln>
+    </cs:spPr>
+    <cs:defRPr sz="900" kern="1200"/>
+  </cs:categoryAxis>
+  <cs:chartArea mods="allowNoFillOverride allowNoLineOverride">
+    <cs:lnRef idx="0"/>
+    <cs:fillRef idx="0"/>
+    <cs:effectRef idx="0"/>
+    <cs:fontRef idx="minor">
+      <a:srgbClr val="000000"/>
+    </cs:fontRef>
+    <cs:spPr>
+      <a:solidFill>
+        <a:srgbClr val="FFFFFF"/>
+      </a:solidFill>
+      <a:ln w="9525" cap="flat" cmpd="sng" algn="ctr">
+        <a:solidFill>
+          <a:srgbClr val="000000">
+            <a:lumMod val="15000"/>
+            <a:lumOff val="85000"/>
+          </a:srgbClr>
+        </a:solidFill>
+        <a:round/>
+      </a:ln>
+    </cs:spPr>
+    <cs:defRPr sz="1000" kern="1200"/>
+  </cs:chartArea>
+  <cs:dataLabel>
+    <cs:lnRef idx="0"/>
+    <cs:fillRef idx="0"/>
+    <cs:effectRef idx="0"/>
+    <cs:fontRef idx="minor">
+      <a:srgbClr val="000000">
+        <a:lumMod val="75000"/>
+        <a:lumOff val="25000"/>
+      </a:srgbClr>
+    </cs:fontRef>
+    <cs:defRPr sz="900" kern="1200"/>
+  </cs:dataLabel>
+  <cs:dataLabelCallout>
+    <cs:lnRef idx="0"/>
+    <cs:fillRef idx="0"/>
+    <cs:effectRef idx="0"/>
+    <cs:fontRef idx="minor">
+      <a:srgbClr val="000000">
+        <a:lumMod val="65000"/>
+        <a:lumOff val="35000"/>
+      </a:srgbClr>
+    </cs:fontRef>
+    <cs:spPr>
+      <a:solidFill>
+        <a:srgbClr val="FFFFFF"/>
+      </a:solidFill>
+      <a:ln>
+        <a:solidFill>
+          <a:srgbClr val="000000">
+            <a:lumMod val="25000"/>
+            <a:lumOff val="75000"/>
+          </a:srgbClr>
+        </a:solidFill>
+      </a:ln>
+    </cs:spPr>
+    <cs:defRPr sz="900" kern="1200"/>
+    <cs:bodyPr rot="0" spcFirstLastPara="1" vertOverflow="clip" horzOverflow="clip" vert="horz" wrap="square" lIns="36576" tIns="18288" rIns="36576" bIns="18288" anchor="ctr" anchorCtr="1">
+      <a:spAutoFit/>
+    </cs:bodyPr>
+  </cs:dataLabelCallout>
+  <cs:dataPoint>
+    <cs:lnRef idx="0"/>
+    <cs:fillRef idx="1">
+      <cs:styleClr val="auto"/>
+    </cs:fillRef>
+    <cs:effectRef idx="0"/>
+    <cs:fontRef idx="minor">
+      <a:srgbClr val="000000"/>
+    </cs:fontRef>
+  </cs:dataPoint>
+  <cs:dataPoint3D>
+    <cs:lnRef idx="0"/>
+    <cs:fillRef idx="1">
+      <cs:styleClr val="auto"/>
+    </cs:fillRef>
+    <cs:effectRef idx="0"/>
+    <cs:fontRef idx="minor">
+      <a:srgbClr val="000000"/>
+    </cs:fontRef>
+  </cs:dataPoint3D>
+  <cs:dataPointLine>
+    <cs:lnRef idx="0">
+      <cs:styleClr val="auto"/>
+    </cs:lnRef>
+    <cs:fillRef idx="1"/>
+    <cs:effectRef idx="0"/>
+    <cs:fontRef idx="minor">
+      <a:srgbClr val="000000"/>
+    </cs:fontRef>
+    <cs:spPr>
+      <a:ln w="28575" cap="rnd">
+        <a:solidFill>
+          <a:srgbClr val="FFFFFF"/>
+        </a:solidFill>
+        <a:round/>
+      </a:ln>
+    </cs:spPr>
+  </cs:dataPointLine>
+  <cs:dataPointMarker>
+    <cs:lnRef idx="0">
+      <cs:styleClr val="auto"/>
+    </cs:lnRef>
+    <cs:fillRef idx="1">
+      <cs:styleClr val="auto"/>
+    </cs:fillRef>
+    <cs:effectRef idx="0"/>
+    <cs:fontRef idx="minor">
+      <a:srgbClr val="000000"/>
+    </cs:fontRef>
+    <cs:spPr>
+      <a:ln w="9525">
+        <a:solidFill>
+          <a:srgbClr val="FFFFFF"/>
+        </a:solidFill>
+      </a:ln>
+    </cs:spPr>
+  </cs:dataPointMarker>
+  <cs:dataPointMarkerLayout symbol="circle" size="5"/>
+  <cs:dataPointWireframe>
+    <cs:lnRef idx="0">
+      <cs:styleClr val="auto"/>
+    </cs:lnRef>
+    <cs:fillRef idx="1"/>
+    <cs:effectRef idx="0"/>
+    <cs:fontRef idx="minor">
+      <a:srgbClr val="000000"/>
+    </cs:fontRef>
+    <cs:spPr>
+      <a:ln w="9525" cap="rnd">
+        <a:solidFill>
+          <a:srgbClr val="FFFFFF"/>
+        </a:solidFill>
+        <a:round/>
+      </a:ln>
+    </cs:spPr>
+  </cs:dataPointWireframe>
+  <cs:dataTable>
+    <cs:lnRef idx="0"/>
+    <cs:fillRef idx="0"/>
+    <cs:effectRef idx="0"/>
+    <cs:fontRef idx="minor">
+      <a:srgbClr val="000000">
+        <a:lumMod val="65000"/>
+        <a:lumOff val="35000"/>
+      </a:srgbClr>
+    </cs:fontRef>
+    <cs:spPr>
+      <a:noFill/>
+      <a:ln w="9525" cap="flat" cmpd="sng" algn="ctr">
+        <a:solidFill>
+          <a:srgbClr val="000000">
+            <a:lumMod val="15000"/>
+            <a:lumOff val="85000"/>
+          </a:srgbClr>
+        </a:solidFill>
+        <a:round/>
+      </a:ln>
+    </cs:spPr>
+    <cs:defRPr sz="900" kern="1200"/>
+  </cs:dataTable>
+  <cs:downBar>
+    <cs:lnRef idx="0"/>
+    <cs:fillRef idx="0"/>
+    <cs:effectRef idx="0"/>
+    <cs:fontRef idx="minor">
+      <a:srgbClr val="000000"/>
+    </cs:fontRef>
+    <cs:spPr>
+      <a:solidFill>
+        <a:srgbClr val="000000">
+          <a:lumMod val="65000"/>
+          <a:lumOff val="35000"/>
+        </a:srgbClr>
+      </a:solidFill>
+      <a:ln w="9525">
+        <a:solidFill>
+          <a:srgbClr val="000000">
+            <a:lumMod val="65000"/>
+            <a:lumOff val="35000"/>
+          </a:srgbClr>
+        </a:solidFill>
+      </a:ln>
+    </cs:spPr>
+  </cs:downBar>
+  <cs:dropLine>
+    <cs:lnRef idx="0"/>
+    <cs:fillRef idx="0"/>
+    <cs:effectRef idx="0"/>
+    <cs:fontRef idx="minor">
+      <a:srgbClr val="000000"/>
+    </cs:fontRef>
+    <cs:spPr>
+      <a:ln w="9525" cap="flat" cmpd="sng" algn="ctr">
+        <a:solidFill>
+          <a:srgbClr val="000000">
+            <a:lumMod val="35000"/>
+            <a:lumOff val="65000"/>
+          </a:srgbClr>
+        </a:solidFill>
+        <a:round/>
+      </a:ln>
+    </cs:spPr>
+  </cs:dropLine>
+  <cs:errorBar>
+    <cs:lnRef idx="0"/>
+    <cs:fillRef idx="0"/>
+    <cs:effectRef idx="0"/>
+    <cs:fontRef idx="minor">
+      <a:srgbClr val="000000"/>
+    </cs:fontRef>
+    <cs:spPr>
+      <a:ln w="9525" cap="flat" cmpd="sng" algn="ctr">
+        <a:solidFill>
+          <a:srgbClr val="000000">
+            <a:lumMod val="65000"/>
+            <a:lumOff val="35000"/>
+          </a:srgbClr>
+        </a:solidFill>
+        <a:round/>
+      </a:ln>
+    </cs:spPr>
+  </cs:errorBar>
+  <cs:floor>
+    <cs:lnRef idx="0"/>
+    <cs:fillRef idx="0"/>
+    <cs:effectRef idx="0"/>
+    <cs:fontRef idx="minor">
+      <a:srgbClr val="000000"/>
+    </cs:fontRef>
+    <cs:spPr>
+      <a:noFill/>
+      <a:ln>
+        <a:noFill/>
+      </a:ln>
+    </cs:spPr>
+  </cs:floor>
+  <cs:gridlineMajor>
+    <cs:lnRef idx="0"/>
+    <cs:fillRef idx="0"/>
+    <cs:effectRef idx="0"/>
+    <cs:fontRef idx="minor">
+      <a:srgbClr val="000000"/>
+    </cs:fontRef>
+    <cs:spPr>
+      <a:ln w="9525" cap="flat" cmpd="sng" algn="ctr">
+        <a:solidFill>
+          <a:srgbClr val="000000">
+            <a:lumMod val="15000"/>
+            <a:lumOff val="85000"/>
+          </a:srgbClr>
+        </a:solidFill>
+        <a:round/>
+      </a:ln>
+    </cs:spPr>
+  </cs:gridlineMajor>
+  <cs:gridlineMinor>
+    <cs:lnRef idx="0"/>
+    <cs:fillRef idx="0"/>
+    <cs:effectRef idx="0"/>
+    <cs:fontRef idx="minor">
+      <a:srgbClr val="000000"/>
+    </cs:fontRef>
+    <cs:spPr>
+      <a:ln w="9525" cap="flat" cmpd="sng" algn="ctr">
+        <a:solidFill>
+          <a:srgbClr val="000000">
+            <a:lumMod val="5000"/>
+            <a:lumOff val="95000"/>
+          </a:srgbClr>
+        </a:solidFill>
+        <a:round/>
+      </a:ln>
+    </cs:spPr>
+  </cs:gridlineMinor>
+  <cs:hiLoLine>
+    <cs:lnRef idx="0"/>
+    <cs:fillRef idx="0"/>
+    <cs:effectRef idx="0"/>
+    <cs:fontRef idx="minor">
+      <a:srgbClr val="000000"/>
+    </cs:fontRef>
+    <cs:spPr>
+      <a:ln w="9525" cap="flat" cmpd="sng" algn="ctr">
+        <a:solidFill>
+          <a:srgbClr val="000000">
+            <a:lumMod val="75000"/>
+            <a:lumOff val="25000"/>
+          </a:srgbClr>
+        </a:solidFill>
+        <a:round/>
+      </a:ln>
+    </cs:spPr>
+  </cs:hiLoLine>
+  <cs:leaderLine>
+    <cs:lnRef idx="0"/>
+    <cs:fillRef idx="0"/>
+    <cs:effectRef idx="0"/>
+    <cs:fontRef idx="minor">
+      <a:srgbClr val="000000"/>
+    </cs:fontRef>
+    <cs:spPr>
+      <a:ln w="9525" cap="flat" cmpd="sng" algn="ctr">
+        <a:solidFill>
+          <a:srgbClr val="000000">
+            <a:lumMod val="35000"/>
+            <a:lumOff val="65000"/>
+          </a:srgbClr>
+        </a:solidFill>
+        <a:round/>
+      </a:ln>
+    </cs:spPr>
+  </cs:leaderLine>
+  <cs:legend>
+    <cs:lnRef idx="0"/>
+    <cs:fillRef idx="0"/>
+    <cs:effectRef idx="0"/>
+    <cs:fontRef idx="minor">
+      <a:srgbClr val="000000">
+        <a:lumMod val="65000"/>
+        <a:lumOff val="35000"/>
+      </a:srgbClr>
+    </cs:fontRef>
+    <cs:defRPr sz="900" kern="1200"/>
+  </cs:legend>
+  <cs:plotArea mods="allowNoFillOverride allowNoLineOverride">
+    <cs:lnRef idx="0"/>
+    <cs:fillRef idx="0"/>
+    <cs:effectRef idx="0"/>
+    <cs:fontRef idx="minor">
+      <a:srgbClr val="000000"/>
+    </cs:fontRef>
+  </cs:plotArea>
+  <cs:plotArea3D mods="allowNoFillOverride allowNoLineOverride">
+    <cs:lnRef idx="0"/>
+    <cs:fillRef idx="0"/>
+    <cs:effectRef idx="0"/>
+    <cs:fontRef idx="minor">
+      <a:srgbClr val="000000"/>
+    </cs:fontRef>
+  </cs:plotArea3D>
+  <cs:seriesAxis>
+    <cs:lnRef idx="0"/>
+    <cs:fillRef idx="0"/>
+    <cs:effectRef idx="0"/>
+    <cs:fontRef idx="minor">
+      <a:srgbClr val="000000">
+        <a:lumMod val="65000"/>
+        <a:lumOff val="35000"/>
+      </a:srgbClr>
+    </cs:fontRef>
+    <cs:defRPr sz="900" kern="1200"/>
+  </cs:seriesAxis>
+  <cs:seriesLine>
+    <cs:lnRef idx="0"/>
+    <cs:fillRef idx="0"/>
+    <cs:effectRef idx="0"/>
+    <cs:fontRef idx="minor">
+      <a:srgbClr val="000000"/>
+    </cs:fontRef>
+    <cs:spPr>
+      <a:ln w="9525" cap="flat" cmpd="sng" algn="ctr">
+        <a:solidFill>
+          <a:srgbClr val="000000">
+            <a:lumMod val="35000"/>
+            <a:lumOff val="65000"/>
+          </a:srgbClr>
+        </a:solidFill>
+        <a:round/>
+      </a:ln>
+    </cs:spPr>
+  </cs:seriesLine>
+  <cs:title>
+    <cs:lnRef idx="0"/>
+    <cs:fillRef idx="0"/>
+    <cs:effectRef idx="0"/>
+    <cs:fontRef idx="minor">
+      <a:srgbClr val="000000">
+        <a:lumMod val="65000"/>
+        <a:lumOff val="35000"/>
+      </a:srgbClr>
+    </cs:fontRef>
+    <cs:defRPr sz="1400" b="0" kern="1200" spc="0" baseline="0"/>
+  </cs:title>
+  <cs:trendline>
+    <cs:lnRef idx="0">
+      <cs:styleClr val="auto"/>
+    </cs:lnRef>
+    <cs:fillRef idx="0"/>
+    <cs:effectRef idx="0"/>
+    <cs:fontRef idx="minor">
+      <a:srgbClr val="000000"/>
+    </cs:fontRef>
+    <cs:spPr>
+      <a:ln w="19050" cap="rnd">
+        <a:solidFill>
+          <a:srgbClr val="FFFFFF"/>
+        </a:solidFill>
+        <a:prstDash val="sysDot"/>
+      </a:ln>
+    </cs:spPr>
+  </cs:trendline>
+  <cs:trendlineLabel>
+    <cs:lnRef idx="0"/>
+    <cs:fillRef idx="0"/>
+    <cs:effectRef idx="0"/>
+    <cs:fontRef idx="minor">
+      <a:srgbClr val="000000">
+        <a:lumMod val="65000"/>
+        <a:lumOff val="35000"/>
+      </a:srgbClr>
+    </cs:fontRef>
+    <cs:defRPr sz="900" kern="1200"/>
+  </cs:trendlineLabel>
+  <cs:upBar>
+    <cs:lnRef idx="0"/>
+    <cs:fillRef idx="0"/>
+    <cs:effectRef idx="0"/>
+    <cs:fontRef idx="minor">
+      <a:srgbClr val="000000"/>
+    </cs:fontRef>
+    <cs:spPr>
+      <a:solidFill>
+        <a:srgbClr val="FFFFFF"/>
+      </a:solidFill>
+      <a:ln w="9525">
+        <a:solidFill>
+          <a:srgbClr val="000000">
+            <a:lumMod val="15000"/>
+            <a:lumOff val="85000"/>
+          </a:srgbClr>
+        </a:solidFill>
+      </a:ln>
+    </cs:spPr>
+  </cs:upBar>
+  <cs:valueAxis>
+    <cs:lnRef idx="0"/>
+    <cs:fillRef idx="0"/>
+    <cs:effectRef idx="0"/>
+    <cs:fontRef idx="minor">
+      <a:srgbClr val="000000">
+        <a:lumMod val="65000"/>
+        <a:lumOff val="35000"/>
+      </a:srgbClr>
+    </cs:fontRef>
+    <cs:defRPr sz="900" kern="1200"/>
+  </cs:valueAxis>
+  <cs:wall>
+    <cs:lnRef idx="0"/>
+    <cs:fillRef idx="0"/>
+    <cs:effectRef idx="0"/>
+    <cs:fontRef idx="minor">
+      <a:srgbClr val="000000"/>
+    </cs:fontRef>
+    <cs:spPr>
+      <a:noFill/>
+      <a:ln>
+        <a:noFill/>
+      </a:ln>
+    </cs:spPr>
+  </cs:wall>
+</cs:chartStyle>
+</file>
+
+<file path=ppt/notesMasters/notesMaster1.xml><?xml version="1.0" encoding="utf-8"?>
+<p:notesMaster xmlns:a="http://schemas.openxmlformats.org/drawingml/2006/main" xmlns:r="http://schemas.openxmlformats.org/officeDocument/2006/relationships" xmlns:p="http://schemas.openxmlformats.org/presentationml/2006/main">
+  <p:cSld>
+    <p:bg>
+      <p:bgRef idx="1001">
+        <a:schemeClr val="bg1"/>
+      </p:bgRef>
+    </p:bg>
+    <p:spTree>
+      <p:nvGrpSpPr>
+        <p:cNvPr id="1" name=""/>
+        <p:cNvGrpSpPr/>
+        <p:nvPr/>
+      </p:nvGrpSpPr>
+      <p:grpSpPr>
+        <a:xfrm>
+          <a:off x="0" y="0"/>
+          <a:ext cx="0" cy="0"/>
+          <a:chOff x="0" y="0"/>
+          <a:chExt cx="0" cy="0"/>
+        </a:xfrm>
+      </p:grpSpPr>
+      <p:sp>
+        <p:nvSpPr>
+          <p:cNvPr id="2" name="页眉占位符 1"/>
+          <p:cNvSpPr>
+            <a:spLocks noGrp="1"/>
+          </p:cNvSpPr>
+          <p:nvPr>
+            <p:ph type="hdr" sz="quarter"/>
+          </p:nvPr>
+        </p:nvSpPr>
+        <p:spPr>
+          <a:xfrm>
+            <a:off x="0" y="0"/>
+            <a:ext cx="2971800" cy="458788"/>
+          </a:xfrm>
+          <a:prstGeom prst="rect">
+            <a:avLst/>
+          </a:prstGeom>
+        </p:spPr>
+        <p:txBody>
+          <a:bodyPr vert="horz" lIns="91440" tIns="45720" rIns="91440" bIns="45720" rtlCol="0"/>
+          <a:lstStyle>
+            <a:lvl1pPr algn="l">
+              <a:defRPr sz="1200"/>
+            </a:lvl1pPr>
+          </a:lstStyle>
+          <a:p>
+            <a:endParaRPr lang="zh-CN" altLang="en-US"/>
+          </a:p>
+        </p:txBody>
+      </p:sp>
+      <p:sp>
+        <p:nvSpPr>
+          <p:cNvPr id="3" name="日期占位符 2"/>
+          <p:cNvSpPr>
+            <a:spLocks noGrp="1"/>
+          </p:cNvSpPr>
+          <p:nvPr>
+            <p:ph type="dt" idx="1"/>
+          </p:nvPr>
+        </p:nvSpPr>
+        <p:spPr>
+          <a:xfrm>
+            <a:off x="3884613" y="0"/>
+            <a:ext cx="2971800" cy="458788"/>
+          </a:xfrm>
+          <a:prstGeom prst="rect">
+            <a:avLst/>
+          </a:prstGeom>
+        </p:spPr>
+        <p:txBody>
+          <a:bodyPr vert="horz" lIns="91440" tIns="45720" rIns="91440" bIns="45720" rtlCol="0"/>
+          <a:lstStyle>
+            <a:lvl1pPr algn="r">
+              <a:defRPr sz="1200"/>
+            </a:lvl1pPr>
+          </a:lstStyle>
+          <a:p>
+            <a:fld id="{D2A48B96-639E-45A3-A0BA-2464DFDB1FAA}" type="datetimeFigureOut">
+              <a:rPr lang="zh-CN" altLang="en-US" smtClean="0"/>
+            </a:fld>
+            <a:endParaRPr lang="zh-CN" altLang="en-US"/>
+          </a:p>
+        </p:txBody>
+      </p:sp>
+      <p:sp>
+        <p:nvSpPr>
+          <p:cNvPr id="4" name="幻灯片图像占位符 3"/>
+          <p:cNvSpPr>
+            <a:spLocks noGrp="1" noRot="1" noChangeAspect="1"/>
+          </p:cNvSpPr>
+          <p:nvPr>
+            <p:ph type="sldImg" idx="2"/>
+          </p:nvPr>
+        </p:nvSpPr>
+        <p:spPr>
+          <a:xfrm>
+            <a:off x="685800" y="1143000"/>
+            <a:ext cx="5486400" cy="3086100"/>
+          </a:xfrm>
+          <a:prstGeom prst="rect">
+            <a:avLst/>
+          </a:prstGeom>
+          <a:noFill/>
+          <a:ln w="12700">
+            <a:solidFill>
+              <a:prstClr val="black"/>
+            </a:solidFill>
+          </a:ln>
+        </p:spPr>
+        <p:txBody>
+          <a:bodyPr vert="horz" lIns="91440" tIns="45720" rIns="91440" bIns="45720" rtlCol="0" anchor="ctr"/>
+          <a:lstStyle/>
+          <a:p>
+            <a:endParaRPr lang="zh-CN" altLang="en-US"/>
+          </a:p>
+        </p:txBody>
+      </p:sp>
+      <p:sp>
+        <p:nvSpPr>
+          <p:cNvPr id="5" name="备注占位符 4"/>
+          <p:cNvSpPr>
+            <a:spLocks noGrp="1"/>
+          </p:cNvSpPr>
+          <p:nvPr>
+            <p:ph type="body" sz="quarter" idx="3"/>
+          </p:nvPr>
+        </p:nvSpPr>
+        <p:spPr>
+          <a:xfrm>
+            <a:off x="685800" y="4400550"/>
+            <a:ext cx="5486400" cy="3600450"/>
+          </a:xfrm>
+          <a:prstGeom prst="rect">
+            <a:avLst/>
+          </a:prstGeom>
+        </p:spPr>
+        <p:txBody>
+          <a:bodyPr vert="horz" lIns="91440" tIns="45720" rIns="91440" bIns="45720" rtlCol="0"/>
+          <a:lstStyle/>
+          <a:p>
+            <a:pPr lvl="0"/>
+            <a:r>
+              <a:rPr lang="zh-CN" altLang="en-US" smtClean="0"/>
+              <a:t>单击此处编辑母版文本样式</a:t>
+            </a:r>
+            <a:endParaRPr lang="zh-CN" altLang="en-US" smtClean="0"/>
+          </a:p>
+          <a:p>
+            <a:pPr lvl="1"/>
+            <a:r>
+              <a:rPr lang="zh-CN" altLang="en-US" smtClean="0"/>
+              <a:t>第二级</a:t>
+            </a:r>
+            <a:endParaRPr lang="zh-CN" altLang="en-US" smtClean="0"/>
+          </a:p>
+          <a:p>
+            <a:pPr lvl="2"/>
+            <a:r>
+              <a:rPr lang="zh-CN" altLang="en-US" smtClean="0"/>
+              <a:t>第三级</a:t>
+            </a:r>
+            <a:endParaRPr lang="zh-CN" altLang="en-US" smtClean="0"/>
+          </a:p>
+          <a:p>
+            <a:pPr lvl="3"/>
+            <a:r>
+              <a:rPr lang="zh-CN" altLang="en-US" smtClean="0"/>
+              <a:t>第四级</a:t>
+            </a:r>
+            <a:endParaRPr lang="zh-CN" altLang="en-US" smtClean="0"/>
+          </a:p>
+          <a:p>
+            <a:pPr lvl="4"/>
+            <a:r>
+              <a:rPr lang="zh-CN" altLang="en-US" smtClean="0"/>
+              <a:t>第五级</a:t>
+            </a:r>
+            <a:endParaRPr lang="zh-CN" altLang="en-US"/>
+          </a:p>
+        </p:txBody>
+      </p:sp>
+      <p:sp>
+        <p:nvSpPr>
+          <p:cNvPr id="6" name="页脚占位符 5"/>
+          <p:cNvSpPr>
+            <a:spLocks noGrp="1"/>
+          </p:cNvSpPr>
+          <p:nvPr>
+            <p:ph type="ftr" sz="quarter" idx="4"/>
+          </p:nvPr>
+        </p:nvSpPr>
+        <p:spPr>
+          <a:xfrm>
+            <a:off x="0" y="8685213"/>
+            <a:ext cx="2971800" cy="458787"/>
+          </a:xfrm>
+          <a:prstGeom prst="rect">
+            <a:avLst/>
+          </a:prstGeom>
+        </p:spPr>
+        <p:txBody>
+          <a:bodyPr vert="horz" lIns="91440" tIns="45720" rIns="91440" bIns="45720" rtlCol="0" anchor="b"/>
+          <a:lstStyle>
+            <a:lvl1pPr algn="l">
+              <a:defRPr sz="1200"/>
+            </a:lvl1pPr>
+          </a:lstStyle>
+          <a:p>
+            <a:endParaRPr lang="zh-CN" altLang="en-US"/>
+          </a:p>
+        </p:txBody>
+      </p:sp>
+      <p:sp>
+        <p:nvSpPr>
+          <p:cNvPr id="7" name="灯片编号占位符 6"/>
+          <p:cNvSpPr>
+            <a:spLocks noGrp="1"/>
+          </p:cNvSpPr>
+          <p:nvPr>
+            <p:ph type="sldNum" sz="quarter" idx="5"/>
+          </p:nvPr>
+        </p:nvSpPr>
+        <p:spPr>
+          <a:xfrm>
+            <a:off x="3884613" y="8685213"/>
+            <a:ext cx="2971800" cy="458787"/>
+          </a:xfrm>
+          <a:prstGeom prst="rect">
+            <a:avLst/>
+          </a:prstGeom>
+        </p:spPr>
+        <p:txBody>
+          <a:bodyPr vert="horz" lIns="91440" tIns="45720" rIns="91440" bIns="45720" rtlCol="0" anchor="b"/>
+          <a:lstStyle>
+            <a:lvl1pPr algn="r">
+              <a:defRPr sz="1200"/>
+            </a:lvl1pPr>
+          </a:lstStyle>
+          <a:p>
+            <a:fld id="{A6837353-30EB-4A48-80EB-173D804AEFBD}" type="slidenum">
+              <a:rPr lang="zh-CN" altLang="en-US" smtClean="0"/>
+            </a:fld>
+            <a:endParaRPr lang="zh-CN" altLang="en-US"/>
+          </a:p>
+        </p:txBody>
+      </p:sp>
+    </p:spTree>
+  </p:cSld>
+  <p:clrMap bg1="lt1" tx1="dk1" bg2="lt2" tx2="dk2" accent1="accent1" accent2="accent2" accent3="accent3" accent4="accent4" accent5="accent5" accent6="accent6" hlink="hlink" folHlink="folHlink"/>
+  <p:notesStyle>
+    <a:lvl1pPr marL="0" algn="l" defTabSz="914400" rtl="0" eaLnBrk="1" latinLnBrk="0" hangingPunct="1">
+      <a:defRPr sz="1200" kern="1200">
+        <a:solidFill>
+          <a:schemeClr val="tx1"/>
+        </a:solidFill>
+        <a:latin typeface="+mn-lt"/>
+        <a:ea typeface="+mn-ea"/>
+        <a:cs typeface="+mn-cs"/>
+      </a:defRPr>
+    </a:lvl1pPr>
+    <a:lvl2pPr marL="457200" algn="l" defTabSz="914400" rtl="0" eaLnBrk="1" latinLnBrk="0" hangingPunct="1">
+      <a:defRPr sz="1200" kern="1200">
+        <a:solidFill>
+          <a:schemeClr val="tx1"/>
+        </a:solidFill>
+        <a:latin typeface="+mn-lt"/>
+        <a:ea typeface="+mn-ea"/>
+        <a:cs typeface="+mn-cs"/>
+      </a:defRPr>
+    </a:lvl2pPr>
+    <a:lvl3pPr marL="914400" algn="l" defTabSz="914400" rtl="0" eaLnBrk="1" latinLnBrk="0" hangingPunct="1">
+      <a:defRPr sz="1200" kern="1200">
+        <a:solidFill>
+          <a:schemeClr val="tx1"/>
+        </a:solidFill>
+        <a:latin typeface="+mn-lt"/>
+        <a:ea typeface="+mn-ea"/>
+        <a:cs typeface="+mn-cs"/>
+      </a:defRPr>
+    </a:lvl3pPr>
+    <a:lvl4pPr marL="1371600" algn="l" defTabSz="914400" rtl="0" eaLnBrk="1" latinLnBrk="0" hangingPunct="1">
+      <a:defRPr sz="1200" kern="1200">
+        <a:solidFill>
+          <a:schemeClr val="tx1"/>
+        </a:solidFill>
+        <a:latin typeface="+mn-lt"/>
+        <a:ea typeface="+mn-ea"/>
+        <a:cs typeface="+mn-cs"/>
+      </a:defRPr>
+    </a:lvl4pPr>
+    <a:lvl5pPr marL="1828800" algn="l" defTabSz="914400" rtl="0" eaLnBrk="1" latinLnBrk="0" hangingPunct="1">
+      <a:defRPr sz="1200" kern="1200">
+        <a:solidFill>
+          <a:schemeClr val="tx1"/>
+        </a:solidFill>
+        <a:latin typeface="+mn-lt"/>
+        <a:ea typeface="+mn-ea"/>
+        <a:cs typeface="+mn-cs"/>
+      </a:defRPr>
+    </a:lvl5pPr>
+    <a:lvl6pPr marL="2286000" algn="l" defTabSz="914400" rtl="0" eaLnBrk="1" latinLnBrk="0" hangingPunct="1">
+      <a:defRPr sz="1200" kern="1200">
+        <a:solidFill>
+          <a:schemeClr val="tx1"/>
+        </a:solidFill>
+        <a:latin typeface="+mn-lt"/>
+        <a:ea typeface="+mn-ea"/>
+        <a:cs typeface="+mn-cs"/>
+      </a:defRPr>
+    </a:lvl6pPr>
+    <a:lvl7pPr marL="2743200" algn="l" defTabSz="914400" rtl="0" eaLnBrk="1" latinLnBrk="0" hangingPunct="1">
+      <a:defRPr sz="1200" kern="1200">
+        <a:solidFill>
+          <a:schemeClr val="tx1"/>
+        </a:solidFill>
+        <a:latin typeface="+mn-lt"/>
+        <a:ea typeface="+mn-ea"/>
+        <a:cs typeface="+mn-cs"/>
+      </a:defRPr>
+    </a:lvl7pPr>
+    <a:lvl8pPr marL="3200400" algn="l" defTabSz="914400" rtl="0" eaLnBrk="1" latinLnBrk="0" hangingPunct="1">
+      <a:defRPr sz="1200" kern="1200">
+        <a:solidFill>
+          <a:schemeClr val="tx1"/>
+        </a:solidFill>
+        <a:latin typeface="+mn-lt"/>
+        <a:ea typeface="+mn-ea"/>
+        <a:cs typeface="+mn-cs"/>
+      </a:defRPr>
+    </a:lvl8pPr>
+    <a:lvl9pPr marL="3657600" algn="l" defTabSz="914400" rtl="0" eaLnBrk="1" latinLnBrk="0" hangingPunct="1">
+      <a:defRPr sz="1200" kern="1200">
+        <a:solidFill>
+          <a:schemeClr val="tx1"/>
+        </a:solidFill>
+        <a:latin typeface="+mn-lt"/>
+        <a:ea typeface="+mn-ea"/>
+        <a:cs typeface="+mn-cs"/>
+      </a:defRPr>
+    </a:lvl9pPr>
+  </p:notesStyle>
+</p:notesMaster>
+</file>
+
+<file path=ppt/notesSlides/notesSlide1.xml><?xml version="1.0" encoding="utf-8"?>
+<p:notes xmlns:a="http://schemas.openxmlformats.org/drawingml/2006/main" xmlns:r="http://schemas.openxmlformats.org/officeDocument/2006/relationships" xmlns:p="http://schemas.openxmlformats.org/presentationml/2006/main">
+  <p:cSld>
+    <p:spTree>
+      <p:nvGrpSpPr>
+        <p:cNvPr id="1" name=""/>
+        <p:cNvGrpSpPr/>
+        <p:nvPr/>
+      </p:nvGrpSpPr>
+      <p:grpSpPr>
+        <a:xfrm>
+          <a:off x="0" y="0"/>
+          <a:ext cx="0" cy="0"/>
+          <a:chOff x="0" y="0"/>
+          <a:chExt cx="0" cy="0"/>
+        </a:xfrm>
+      </p:grpSpPr>
+      <p:sp>
+        <p:nvSpPr>
+          <p:cNvPr id="2" name="幻灯片图像占位符 1"/>
+          <p:cNvSpPr>
+            <a:spLocks noGrp="1" noRot="1" noChangeAspect="1"/>
+          </p:cNvSpPr>
+          <p:nvPr>
+            <p:ph type="sldImg"/>
+          </p:nvPr>
+        </p:nvSpPr>
+        <p:spPr/>
+      </p:sp>
+      <p:sp>
+        <p:nvSpPr>
+          <p:cNvPr id="3" name="备注占位符 2"/>
+          <p:cNvSpPr>
+            <a:spLocks noGrp="1"/>
+          </p:cNvSpPr>
+          <p:nvPr>
+            <p:ph type="body" idx="1"/>
+          </p:nvPr>
+        </p:nvSpPr>
+        <p:spPr/>
+        <p:txBody>
+          <a:bodyPr/>
+          <a:lstStyle/>
+          <a:p>
+            <a:endParaRPr lang="zh-CN" altLang="en-US"/>
+          </a:p>
+        </p:txBody>
+      </p:sp>
+      <p:sp>
+        <p:nvSpPr>
+          <p:cNvPr id="4" name="灯片编号占位符 3"/>
+          <p:cNvSpPr>
+            <a:spLocks noGrp="1"/>
+          </p:cNvSpPr>
+          <p:nvPr>
+            <p:ph type="sldNum" sz="quarter" idx="5"/>
+          </p:nvPr>
+        </p:nvSpPr>
+        <p:spPr/>
+        <p:txBody>
+          <a:bodyPr/>
+          <a:lstStyle/>
+          <a:p>
+            <a:fld id="{33A7A4E5-3461-47CD-8351-C5E59F91E682}" type="slidenum">
+              <a:rPr lang="zh-CN" altLang="en-US" smtClean="0"/>
+            </a:fld>
+            <a:endParaRPr lang="zh-CN" altLang="en-US"/>
+          </a:p>
+        </p:txBody>
+      </p:sp>
+    </p:spTree>
+  </p:cSld>
+  <p:clrMapOvr>
+    <a:masterClrMapping/>
+  </p:clrMapOvr>
+</p:notes>
 </file>
 
 <file path=ppt/slideLayouts/slideLayout1.xml><?xml version="1.0" encoding="utf-8"?>
@@ -2966,6 +4290,1906 @@
 </p:sld>
 </file>
 
+<file path=ppt/slides/slide2.xml><?xml version="1.0" encoding="utf-8"?>
+<p:sld xmlns:a="http://schemas.openxmlformats.org/drawingml/2006/main" xmlns:r="http://schemas.openxmlformats.org/officeDocument/2006/relationships" xmlns:p="http://schemas.openxmlformats.org/presentationml/2006/main">
+  <p:cSld>
+    <p:spTree>
+      <p:nvGrpSpPr>
+        <p:cNvPr id="1" name=""/>
+        <p:cNvGrpSpPr/>
+        <p:nvPr/>
+      </p:nvGrpSpPr>
+      <p:grpSpPr>
+        <a:xfrm>
+          <a:off x="0" y="0"/>
+          <a:ext cx="0" cy="0"/>
+          <a:chOff x="0" y="0"/>
+          <a:chExt cx="0" cy="0"/>
+        </a:xfrm>
+      </p:grpSpPr>
+      <p:sp>
+        <p:nvSpPr>
+          <p:cNvPr id="3" name="标题 2"/>
+          <p:cNvSpPr>
+            <a:spLocks noGrp="1"/>
+          </p:cNvSpPr>
+          <p:nvPr>
+            <p:ph type="title"/>
+            <p:custDataLst>
+              <p:tags r:id="rId2"/>
+            </p:custDataLst>
+          </p:nvPr>
+        </p:nvSpPr>
+        <p:spPr/>
+        <p:txBody>
+          <a:bodyPr/>
+          <a:lstStyle/>
+          <a:p>
+            <a:r>
+              <a:rPr lang="zh-CN" altLang="en-US"/>
+              <a:t>单击此处添加标题</a:t>
+            </a:r>
+            <a:endParaRPr lang="zh-CN" altLang="en-US"/>
+          </a:p>
+        </p:txBody>
+      </p:sp>
+      <p:sp>
+        <p:nvSpPr>
+          <p:cNvPr id="5" name="文本占位符 4"/>
+          <p:cNvSpPr>
+            <a:spLocks noGrp="1"/>
+          </p:cNvSpPr>
+          <p:nvPr>
+            <p:ph type="body" idx="4294967295"/>
+            <p:custDataLst>
+              <p:tags r:id="rId3"/>
+            </p:custDataLst>
+          </p:nvPr>
+        </p:nvSpPr>
+        <p:spPr>
+          <a:xfrm>
+            <a:off x="1020445" y="1896110"/>
+            <a:ext cx="5247640" cy="381635"/>
+          </a:xfrm>
+        </p:spPr>
+        <p:txBody>
+          <a:bodyPr>
+            <a:normAutofit fontScale="87500"/>
+          </a:bodyPr>
+          <a:lstStyle/>
+          <a:p>
+            <a:pPr marL="0" indent="0">
+              <a:buNone/>
+            </a:pPr>
+            <a:r>
+              <a:rPr lang="zh-CN" altLang="en-US" b="1"/>
+              <a:t>单击此处添加标题内容</a:t>
+            </a:r>
+            <a:endParaRPr lang="zh-CN" altLang="en-US" b="1"/>
+          </a:p>
+        </p:txBody>
+      </p:sp>
+      <p:sp>
+        <p:nvSpPr>
+          <p:cNvPr id="22" name="同侧圆角矩形 21"/>
+          <p:cNvSpPr/>
+          <p:nvPr>
+            <p:custDataLst>
+              <p:tags r:id="rId4"/>
+            </p:custDataLst>
+          </p:nvPr>
+        </p:nvSpPr>
+        <p:spPr>
+          <a:xfrm rot="16200000">
+            <a:off x="-69850" y="4371340"/>
+            <a:ext cx="2742565" cy="563880"/>
+          </a:xfrm>
+          <a:prstGeom prst="round2SameRect">
+            <a:avLst/>
+          </a:prstGeom>
+          <a:solidFill>
+            <a:schemeClr val="accent1"/>
+          </a:solidFill>
+          <a:ln>
+            <a:noFill/>
+          </a:ln>
+        </p:spPr>
+        <p:style>
+          <a:lnRef idx="2">
+            <a:srgbClr val="376FFF">
+              <a:shade val="50000"/>
+            </a:srgbClr>
+          </a:lnRef>
+          <a:fillRef idx="1">
+            <a:srgbClr val="376FFF"/>
+          </a:fillRef>
+          <a:effectRef idx="0">
+            <a:srgbClr val="376FFF"/>
+          </a:effectRef>
+          <a:fontRef idx="minor">
+            <a:srgbClr val="FFFFFF"/>
+          </a:fontRef>
+        </p:style>
+        <p:txBody>
+          <a:bodyPr rtlCol="0" anchor="ctr"/>
+          <a:lstStyle/>
+          <a:p>
+            <a:pPr algn="ctr"/>
+            <a:endParaRPr lang="zh-CN" altLang="en-US">
+              <a:cs typeface="微软雅黑" panose="020B0503020204020204" charset="-122"/>
+            </a:endParaRPr>
+          </a:p>
+        </p:txBody>
+      </p:sp>
+      <p:graphicFrame>
+        <p:nvGraphicFramePr>
+          <p:cNvPr id="21" name="图表 20" descr="7b0a202020202263686172745265734964223a20223230343734393638220a7d0a"/>
+          <p:cNvGraphicFramePr/>
+          <p:nvPr>
+            <p:custDataLst>
+              <p:tags r:id="rId5"/>
+            </p:custDataLst>
+          </p:nvPr>
+        </p:nvGraphicFramePr>
+        <p:xfrm>
+          <a:off x="1020445" y="3308985"/>
+          <a:ext cx="5247005" cy="2860675"/>
+        </p:xfrm>
+        <a:graphic>
+          <a:graphicData uri="http://schemas.openxmlformats.org/drawingml/2006/chart">
+            <c:chart xmlns:c="http://schemas.openxmlformats.org/drawingml/2006/chart" xmlns:r="http://schemas.openxmlformats.org/officeDocument/2006/relationships" r:id="rId1"/>
+          </a:graphicData>
+        </a:graphic>
+      </p:graphicFrame>
+      <p:sp>
+        <p:nvSpPr>
+          <p:cNvPr id="11" name="正文"/>
+          <p:cNvSpPr txBox="1"/>
+          <p:nvPr>
+            <p:custDataLst>
+              <p:tags r:id="rId6"/>
+            </p:custDataLst>
+          </p:nvPr>
+        </p:nvSpPr>
+        <p:spPr>
+          <a:xfrm>
+            <a:off x="1011555" y="2346960"/>
+            <a:ext cx="5256530" cy="866140"/>
+          </a:xfrm>
+          <a:prstGeom prst="rect">
+            <a:avLst/>
+          </a:prstGeom>
+          <a:ln>
+            <a:noFill/>
+            <a:prstDash val="sysDash"/>
+          </a:ln>
+        </p:spPr>
+        <p:txBody>
+          <a:bodyPr vert="horz" lIns="90000" tIns="46800" rIns="90000" bIns="46800" rtlCol="0">
+            <a:normAutofit/>
+          </a:bodyPr>
+          <a:lstStyle>
+            <a:lvl1pPr marL="228600" marR="0" lvl="0" indent="-228600" fontAlgn="auto">
+              <a:lnSpc>
+                <a:spcPct val="130000"/>
+              </a:lnSpc>
+              <a:spcBef>
+                <a:spcPts val="0"/>
+              </a:spcBef>
+              <a:spcAft>
+                <a:spcPts val="1000"/>
+              </a:spcAft>
+              <a:buFont typeface="Arial" panose="020B0604020202020204" pitchFamily="34" charset="0"/>
+              <a:buChar char="●"/>
+              <a:defRPr kumimoji="0" b="0" i="0" u="none" strike="noStrike" cap="none" spc="150" normalizeH="0" baseline="0">
+                <a:solidFill>
+                  <a:schemeClr val="tx1">
+                    <a:lumMod val="65000"/>
+                    <a:lumOff val="35000"/>
+                  </a:schemeClr>
+                </a:solidFill>
+                <a:uFillTx/>
+                <a:latin typeface="Arial" panose="020B0604020202020204" pitchFamily="34" charset="0"/>
+                <a:ea typeface="微软雅黑" panose="020B0503020204020204" charset="-122"/>
+              </a:defRPr>
+            </a:lvl1pPr>
+            <a:lvl2pPr marL="685800" marR="0" lvl="1" indent="-228600" fontAlgn="auto">
+              <a:lnSpc>
+                <a:spcPct val="120000"/>
+              </a:lnSpc>
+              <a:spcBef>
+                <a:spcPts val="0"/>
+              </a:spcBef>
+              <a:spcAft>
+                <a:spcPts val="600"/>
+              </a:spcAft>
+              <a:buFont typeface="Arial" panose="020B0604020202020204" pitchFamily="34" charset="0"/>
+              <a:buChar char="●"/>
+              <a:tabLst>
+                <a:tab pos="1609725" algn="l"/>
+              </a:tabLst>
+              <a:defRPr kumimoji="0" sz="1600" b="0" i="0" u="none" strike="noStrike" cap="none" spc="150" normalizeH="0" baseline="0">
+                <a:solidFill>
+                  <a:schemeClr val="tx1">
+                    <a:lumMod val="65000"/>
+                    <a:lumOff val="35000"/>
+                  </a:schemeClr>
+                </a:solidFill>
+                <a:uFillTx/>
+                <a:latin typeface="Arial" panose="020B0604020202020204" pitchFamily="34" charset="0"/>
+                <a:ea typeface="微软雅黑" panose="020B0503020204020204" charset="-122"/>
+              </a:defRPr>
+            </a:lvl2pPr>
+            <a:lvl3pPr marL="1143000" marR="0" lvl="2" indent="-228600" fontAlgn="auto">
+              <a:lnSpc>
+                <a:spcPct val="120000"/>
+              </a:lnSpc>
+              <a:spcBef>
+                <a:spcPts val="0"/>
+              </a:spcBef>
+              <a:spcAft>
+                <a:spcPts val="600"/>
+              </a:spcAft>
+              <a:buFont typeface="Arial" panose="020B0604020202020204" pitchFamily="34" charset="0"/>
+              <a:buChar char="●"/>
+              <a:defRPr kumimoji="0" sz="1600" b="0" i="0" u="none" strike="noStrike" cap="none" spc="150" normalizeH="0" baseline="0">
+                <a:solidFill>
+                  <a:schemeClr val="tx1">
+                    <a:lumMod val="65000"/>
+                    <a:lumOff val="35000"/>
+                  </a:schemeClr>
+                </a:solidFill>
+                <a:uFillTx/>
+                <a:latin typeface="Arial" panose="020B0604020202020204" pitchFamily="34" charset="0"/>
+                <a:ea typeface="微软雅黑" panose="020B0503020204020204" charset="-122"/>
+              </a:defRPr>
+            </a:lvl3pPr>
+            <a:lvl4pPr marL="1600200" marR="0" lvl="3" indent="-228600" fontAlgn="auto">
+              <a:lnSpc>
+                <a:spcPct val="120000"/>
+              </a:lnSpc>
+              <a:spcBef>
+                <a:spcPts val="0"/>
+              </a:spcBef>
+              <a:spcAft>
+                <a:spcPts val="300"/>
+              </a:spcAft>
+              <a:buFont typeface="Wingdings" panose="05000000000000000000" charset="0"/>
+              <a:buChar char=""/>
+              <a:defRPr kumimoji="0" sz="1400" b="0" i="0" u="none" strike="noStrike" cap="none" spc="150" normalizeH="0" baseline="0">
+                <a:solidFill>
+                  <a:schemeClr val="tx1">
+                    <a:lumMod val="65000"/>
+                    <a:lumOff val="35000"/>
+                  </a:schemeClr>
+                </a:solidFill>
+                <a:uFillTx/>
+                <a:latin typeface="Arial" panose="020B0604020202020204" pitchFamily="34" charset="0"/>
+                <a:ea typeface="微软雅黑" panose="020B0503020204020204" charset="-122"/>
+              </a:defRPr>
+            </a:lvl4pPr>
+            <a:lvl5pPr marL="2057400" marR="0" lvl="4" indent="-228600" fontAlgn="auto">
+              <a:lnSpc>
+                <a:spcPct val="120000"/>
+              </a:lnSpc>
+              <a:spcBef>
+                <a:spcPts val="0"/>
+              </a:spcBef>
+              <a:spcAft>
+                <a:spcPts val="300"/>
+              </a:spcAft>
+              <a:buFont typeface="Arial" panose="020B0604020202020204" pitchFamily="34" charset="0"/>
+              <a:buChar char="•"/>
+              <a:defRPr kumimoji="0" sz="1400" b="0" i="0" u="none" strike="noStrike" cap="none" spc="150" normalizeH="0" baseline="0">
+                <a:solidFill>
+                  <a:schemeClr val="tx1">
+                    <a:lumMod val="65000"/>
+                    <a:lumOff val="35000"/>
+                  </a:schemeClr>
+                </a:solidFill>
+                <a:uFillTx/>
+                <a:latin typeface="Arial" panose="020B0604020202020204" pitchFamily="34" charset="0"/>
+                <a:ea typeface="微软雅黑" panose="020B0503020204020204" charset="-122"/>
+              </a:defRPr>
+            </a:lvl5pPr>
+            <a:lvl6pPr indent="0">
+              <a:lnSpc>
+                <a:spcPct val="90000"/>
+              </a:lnSpc>
+              <a:spcBef>
+                <a:spcPts val="500"/>
+              </a:spcBef>
+              <a:buFont typeface="Arial" panose="020B0604020202020204" pitchFamily="34" charset="0"/>
+              <a:buNone/>
+            </a:lvl6pPr>
+            <a:lvl7pPr marL="2971800" indent="-228600">
+              <a:lnSpc>
+                <a:spcPct val="90000"/>
+              </a:lnSpc>
+              <a:spcBef>
+                <a:spcPts val="500"/>
+              </a:spcBef>
+              <a:buFont typeface="Arial" panose="020B0604020202020204" pitchFamily="34" charset="0"/>
+              <a:buChar char="•"/>
+            </a:lvl7pPr>
+            <a:lvl8pPr marL="3429000" indent="-228600">
+              <a:lnSpc>
+                <a:spcPct val="90000"/>
+              </a:lnSpc>
+              <a:spcBef>
+                <a:spcPts val="500"/>
+              </a:spcBef>
+              <a:buFont typeface="Arial" panose="020B0604020202020204" pitchFamily="34" charset="0"/>
+              <a:buChar char="•"/>
+            </a:lvl8pPr>
+            <a:lvl9pPr marL="3886200" indent="-228600">
+              <a:lnSpc>
+                <a:spcPct val="90000"/>
+              </a:lnSpc>
+              <a:spcBef>
+                <a:spcPts val="500"/>
+              </a:spcBef>
+              <a:buFont typeface="Arial" panose="020B0604020202020204" pitchFamily="34" charset="0"/>
+              <a:buChar char="•"/>
+            </a:lvl9pPr>
+          </a:lstStyle>
+          <a:p>
+            <a:pPr marL="0" indent="0" algn="l">
+              <a:buNone/>
+            </a:pPr>
+            <a:r>
+              <a:rPr lang="zh-CN" altLang="en-US" sz="1400" spc="130" dirty="0">
+                <a:ln>
+                  <a:noFill/>
+                  <a:prstDash val="sysDot"/>
+                </a:ln>
+                <a:solidFill>
+                  <a:schemeClr val="tx1">
+                    <a:lumMod val="85000"/>
+                    <a:lumOff val="15000"/>
+                  </a:schemeClr>
+                </a:solidFill>
+                <a:sym typeface="+mn-ea"/>
+              </a:rPr>
+              <a:t>单击此处添加文本具体内容，简明扼要地阐述您的观点。根据需要可酌情增减文字，以便观者准确地理解您传达的思想</a:t>
+            </a:r>
+            <a:endParaRPr lang="zh-CN" altLang="en-US" sz="1400" spc="130" dirty="0">
+              <a:ln>
+                <a:noFill/>
+                <a:prstDash val="sysDot"/>
+              </a:ln>
+              <a:solidFill>
+                <a:schemeClr val="tx1">
+                  <a:lumMod val="85000"/>
+                  <a:lumOff val="15000"/>
+                </a:schemeClr>
+              </a:solidFill>
+              <a:sym typeface="+mn-ea"/>
+            </a:endParaRPr>
+          </a:p>
+        </p:txBody>
+      </p:sp>
+      <p:pic>
+        <p:nvPicPr>
+          <p:cNvPr id="6" name="图片对象" descr="C:/Users/xiaonian/Downloads/图片4.png图片4"/>
+          <p:cNvPicPr>
+            <a:picLocks noChangeAspect="1"/>
+          </p:cNvPicPr>
+          <p:nvPr>
+            <p:custDataLst>
+              <p:tags r:id="rId7"/>
+            </p:custDataLst>
+          </p:nvPr>
+        </p:nvPicPr>
+        <p:blipFill>
+          <a:blip r:embed="rId8"/>
+          <a:srcRect l="1080" r="1080" b="4041"/>
+          <a:stretch>
+            <a:fillRect/>
+          </a:stretch>
+        </p:blipFill>
+        <p:spPr>
+          <a:xfrm>
+            <a:off x="7123430" y="1676400"/>
+            <a:ext cx="3759200" cy="4347210"/>
+          </a:xfrm>
+          <a:prstGeom prst="roundRect">
+            <a:avLst>
+              <a:gd name="adj" fmla="val 5251"/>
+            </a:avLst>
+          </a:prstGeom>
+        </p:spPr>
+      </p:pic>
+    </p:spTree>
+    <p:custDataLst>
+      <p:tags r:id="rId9"/>
+    </p:custDataLst>
+  </p:cSld>
+  <p:clrMapOvr>
+    <a:masterClrMapping/>
+  </p:clrMapOvr>
+  <p:transition/>
+</p:sld>
+</file>
+
+<file path=ppt/slides/slide3.xml><?xml version="1.0" encoding="utf-8"?>
+<p:sld xmlns:a="http://schemas.openxmlformats.org/drawingml/2006/main" xmlns:r="http://schemas.openxmlformats.org/officeDocument/2006/relationships" xmlns:p="http://schemas.openxmlformats.org/presentationml/2006/main">
+  <p:cSld>
+    <p:spTree>
+      <p:nvGrpSpPr>
+        <p:cNvPr id="1" name=""/>
+        <p:cNvGrpSpPr/>
+        <p:nvPr/>
+      </p:nvGrpSpPr>
+      <p:grpSpPr>
+        <a:xfrm>
+          <a:off x="0" y="0"/>
+          <a:ext cx="0" cy="0"/>
+          <a:chOff x="0" y="0"/>
+          <a:chExt cx="0" cy="0"/>
+        </a:xfrm>
+      </p:grpSpPr>
+      <p:sp>
+        <p:nvSpPr>
+          <p:cNvPr id="20" name="任意多边形: 形状 19"/>
+          <p:cNvSpPr/>
+          <p:nvPr>
+            <p:custDataLst>
+              <p:tags r:id="rId1"/>
+            </p:custDataLst>
+          </p:nvPr>
+        </p:nvSpPr>
+        <p:spPr>
+          <a:xfrm>
+            <a:off x="6218902" y="2295822"/>
+            <a:ext cx="2544124" cy="3182029"/>
+          </a:xfrm>
+          <a:custGeom>
+            <a:avLst/>
+            <a:gdLst>
+              <a:gd name="connsiteX0" fmla="*/ 221625 w 2544124"/>
+              <a:gd name="connsiteY0" fmla="*/ 0 h 3182029"/>
+              <a:gd name="connsiteX1" fmla="*/ 2225375 w 2544124"/>
+              <a:gd name="connsiteY1" fmla="*/ 0 h 3182029"/>
+              <a:gd name="connsiteX2" fmla="*/ 2446348 w 2544124"/>
+              <a:gd name="connsiteY2" fmla="*/ 221001 h 3182029"/>
+              <a:gd name="connsiteX3" fmla="*/ 2446348 w 2544124"/>
+              <a:gd name="connsiteY3" fmla="*/ 1498115 h 3182029"/>
+              <a:gd name="connsiteX4" fmla="*/ 2544124 w 2544124"/>
+              <a:gd name="connsiteY4" fmla="*/ 1590688 h 3182029"/>
+              <a:gd name="connsiteX5" fmla="*/ 2446348 w 2544124"/>
+              <a:gd name="connsiteY5" fmla="*/ 1683261 h 3182029"/>
+              <a:gd name="connsiteX6" fmla="*/ 2446348 w 2544124"/>
+              <a:gd name="connsiteY6" fmla="*/ 2961027 h 3182029"/>
+              <a:gd name="connsiteX7" fmla="*/ 2225375 w 2544124"/>
+              <a:gd name="connsiteY7" fmla="*/ 3182029 h 3182029"/>
+              <a:gd name="connsiteX8" fmla="*/ 221625 w 2544124"/>
+              <a:gd name="connsiteY8" fmla="*/ 3182029 h 3182029"/>
+              <a:gd name="connsiteX9" fmla="*/ 0 w 2544124"/>
+              <a:gd name="connsiteY9" fmla="*/ 2961027 h 3182029"/>
+              <a:gd name="connsiteX10" fmla="*/ 0 w 2544124"/>
+              <a:gd name="connsiteY10" fmla="*/ 221001 h 3182029"/>
+              <a:gd name="connsiteX11" fmla="*/ 221625 w 2544124"/>
+              <a:gd name="connsiteY11" fmla="*/ 0 h 3182029"/>
+            </a:gdLst>
+            <a:ahLst/>
+            <a:cxnLst>
+              <a:cxn ang="0">
+                <a:pos x="connsiteX0" y="connsiteY0"/>
+              </a:cxn>
+              <a:cxn ang="0">
+                <a:pos x="connsiteX1" y="connsiteY1"/>
+              </a:cxn>
+              <a:cxn ang="0">
+                <a:pos x="connsiteX2" y="connsiteY2"/>
+              </a:cxn>
+              <a:cxn ang="0">
+                <a:pos x="connsiteX3" y="connsiteY3"/>
+              </a:cxn>
+              <a:cxn ang="0">
+                <a:pos x="connsiteX4" y="connsiteY4"/>
+              </a:cxn>
+              <a:cxn ang="0">
+                <a:pos x="connsiteX5" y="connsiteY5"/>
+              </a:cxn>
+              <a:cxn ang="0">
+                <a:pos x="connsiteX6" y="connsiteY6"/>
+              </a:cxn>
+              <a:cxn ang="0">
+                <a:pos x="connsiteX7" y="connsiteY7"/>
+              </a:cxn>
+              <a:cxn ang="0">
+                <a:pos x="connsiteX8" y="connsiteY8"/>
+              </a:cxn>
+              <a:cxn ang="0">
+                <a:pos x="connsiteX9" y="connsiteY9"/>
+              </a:cxn>
+              <a:cxn ang="0">
+                <a:pos x="connsiteX10" y="connsiteY10"/>
+              </a:cxn>
+              <a:cxn ang="0">
+                <a:pos x="connsiteX11" y="connsiteY11"/>
+              </a:cxn>
+            </a:cxnLst>
+            <a:rect l="l" t="t" r="r" b="b"/>
+            <a:pathLst>
+              <a:path w="2544124" h="3182029">
+                <a:moveTo>
+                  <a:pt x="221625" y="0"/>
+                </a:moveTo>
+                <a:lnTo>
+                  <a:pt x="2225375" y="0"/>
+                </a:lnTo>
+                <a:cubicBezTo>
+                  <a:pt x="2347920" y="0"/>
+                  <a:pt x="2446348" y="99092"/>
+                  <a:pt x="2446348" y="221001"/>
+                </a:cubicBezTo>
+                <a:lnTo>
+                  <a:pt x="2446348" y="1498115"/>
+                </a:lnTo>
+                <a:lnTo>
+                  <a:pt x="2544124" y="1590688"/>
+                </a:lnTo>
+                <a:lnTo>
+                  <a:pt x="2446348" y="1683261"/>
+                </a:lnTo>
+                <a:lnTo>
+                  <a:pt x="2446348" y="2961027"/>
+                </a:lnTo>
+                <a:cubicBezTo>
+                  <a:pt x="2446348" y="3082937"/>
+                  <a:pt x="2347920" y="3182029"/>
+                  <a:pt x="2225375" y="3182029"/>
+                </a:cubicBezTo>
+                <a:lnTo>
+                  <a:pt x="221625" y="3182029"/>
+                </a:lnTo>
+                <a:cubicBezTo>
+                  <a:pt x="99079" y="3182029"/>
+                  <a:pt x="0" y="3082937"/>
+                  <a:pt x="0" y="2961027"/>
+                </a:cubicBezTo>
+                <a:lnTo>
+                  <a:pt x="0" y="221001"/>
+                </a:lnTo>
+                <a:cubicBezTo>
+                  <a:pt x="0" y="99092"/>
+                  <a:pt x="99079" y="0"/>
+                  <a:pt x="221625" y="0"/>
+                </a:cubicBezTo>
+                <a:close/>
+              </a:path>
+            </a:pathLst>
+          </a:custGeom>
+          <a:gradFill>
+            <a:gsLst>
+              <a:gs pos="0">
+                <a:schemeClr val="accent1"/>
+              </a:gs>
+              <a:gs pos="100000">
+                <a:schemeClr val="accent1">
+                  <a:alpha val="60000"/>
+                </a:schemeClr>
+              </a:gs>
+            </a:gsLst>
+            <a:lin ang="2700000" scaled="1"/>
+          </a:gradFill>
+          <a:ln>
+            <a:noFill/>
+          </a:ln>
+        </p:spPr>
+        <p:style>
+          <a:lnRef idx="2">
+            <a:schemeClr val="accent1">
+              <a:shade val="50000"/>
+            </a:schemeClr>
+          </a:lnRef>
+          <a:fillRef idx="1">
+            <a:schemeClr val="accent1"/>
+          </a:fillRef>
+          <a:effectRef idx="0">
+            <a:schemeClr val="accent1"/>
+          </a:effectRef>
+          <a:fontRef idx="minor">
+            <a:schemeClr val="lt1"/>
+          </a:fontRef>
+        </p:style>
+        <p:txBody>
+          <a:bodyPr rot="0" spcFirstLastPara="0" vertOverflow="overflow" horzOverflow="overflow" vert="horz" wrap="square" lIns="418118" tIns="463888" rIns="300380" bIns="821396" numCol="1" spcCol="0" rtlCol="0" fromWordArt="0" anchor="ctr" anchorCtr="0" forceAA="0" compatLnSpc="1">
+            <a:noAutofit/>
+          </a:bodyPr>
+          <a:lstStyle/>
+          <a:p>
+            <a:pPr>
+              <a:lnSpc>
+                <a:spcPct val="130000"/>
+              </a:lnSpc>
+            </a:pPr>
+            <a:r>
+              <a:rPr lang="zh-CN" altLang="zh-CN" dirty="0">
+                <a:solidFill>
+                  <a:srgbClr val="FFFFFF"/>
+                </a:solidFill>
+                <a:latin typeface="+mn-ea"/>
+                <a:cs typeface="+mn-ea"/>
+                <a:sym typeface="+mn-ea"/>
+              </a:rPr>
+              <a:t>单击此处输入你的正文，文字是您思想的提炼</a:t>
+            </a:r>
+            <a:endParaRPr lang="zh-CN" altLang="zh-CN" dirty="0">
+              <a:solidFill>
+                <a:srgbClr val="FFFFFF"/>
+              </a:solidFill>
+              <a:latin typeface="+mn-ea"/>
+              <a:cs typeface="+mn-ea"/>
+              <a:sym typeface="+mn-ea"/>
+            </a:endParaRPr>
+          </a:p>
+        </p:txBody>
+      </p:sp>
+      <p:sp>
+        <p:nvSpPr>
+          <p:cNvPr id="27" name="任意多边形: 形状 26"/>
+          <p:cNvSpPr/>
+          <p:nvPr>
+            <p:custDataLst>
+              <p:tags r:id="rId2"/>
+            </p:custDataLst>
+          </p:nvPr>
+        </p:nvSpPr>
+        <p:spPr>
+          <a:xfrm>
+            <a:off x="3445627" y="2295822"/>
+            <a:ext cx="2544124" cy="3182029"/>
+          </a:xfrm>
+          <a:custGeom>
+            <a:avLst/>
+            <a:gdLst>
+              <a:gd name="connsiteX0" fmla="*/ 221625 w 2544124"/>
+              <a:gd name="connsiteY0" fmla="*/ 0 h 3182029"/>
+              <a:gd name="connsiteX1" fmla="*/ 2225375 w 2544124"/>
+              <a:gd name="connsiteY1" fmla="*/ 0 h 3182029"/>
+              <a:gd name="connsiteX2" fmla="*/ 2446348 w 2544124"/>
+              <a:gd name="connsiteY2" fmla="*/ 221001 h 3182029"/>
+              <a:gd name="connsiteX3" fmla="*/ 2446348 w 2544124"/>
+              <a:gd name="connsiteY3" fmla="*/ 1498115 h 3182029"/>
+              <a:gd name="connsiteX4" fmla="*/ 2544124 w 2544124"/>
+              <a:gd name="connsiteY4" fmla="*/ 1590688 h 3182029"/>
+              <a:gd name="connsiteX5" fmla="*/ 2446348 w 2544124"/>
+              <a:gd name="connsiteY5" fmla="*/ 1683261 h 3182029"/>
+              <a:gd name="connsiteX6" fmla="*/ 2446348 w 2544124"/>
+              <a:gd name="connsiteY6" fmla="*/ 2961027 h 3182029"/>
+              <a:gd name="connsiteX7" fmla="*/ 2225375 w 2544124"/>
+              <a:gd name="connsiteY7" fmla="*/ 3182029 h 3182029"/>
+              <a:gd name="connsiteX8" fmla="*/ 221625 w 2544124"/>
+              <a:gd name="connsiteY8" fmla="*/ 3182029 h 3182029"/>
+              <a:gd name="connsiteX9" fmla="*/ 0 w 2544124"/>
+              <a:gd name="connsiteY9" fmla="*/ 2961027 h 3182029"/>
+              <a:gd name="connsiteX10" fmla="*/ 0 w 2544124"/>
+              <a:gd name="connsiteY10" fmla="*/ 221001 h 3182029"/>
+              <a:gd name="connsiteX11" fmla="*/ 221625 w 2544124"/>
+              <a:gd name="connsiteY11" fmla="*/ 0 h 3182029"/>
+            </a:gdLst>
+            <a:ahLst/>
+            <a:cxnLst>
+              <a:cxn ang="0">
+                <a:pos x="connsiteX0" y="connsiteY0"/>
+              </a:cxn>
+              <a:cxn ang="0">
+                <a:pos x="connsiteX1" y="connsiteY1"/>
+              </a:cxn>
+              <a:cxn ang="0">
+                <a:pos x="connsiteX2" y="connsiteY2"/>
+              </a:cxn>
+              <a:cxn ang="0">
+                <a:pos x="connsiteX3" y="connsiteY3"/>
+              </a:cxn>
+              <a:cxn ang="0">
+                <a:pos x="connsiteX4" y="connsiteY4"/>
+              </a:cxn>
+              <a:cxn ang="0">
+                <a:pos x="connsiteX5" y="connsiteY5"/>
+              </a:cxn>
+              <a:cxn ang="0">
+                <a:pos x="connsiteX6" y="connsiteY6"/>
+              </a:cxn>
+              <a:cxn ang="0">
+                <a:pos x="connsiteX7" y="connsiteY7"/>
+              </a:cxn>
+              <a:cxn ang="0">
+                <a:pos x="connsiteX8" y="connsiteY8"/>
+              </a:cxn>
+              <a:cxn ang="0">
+                <a:pos x="connsiteX9" y="connsiteY9"/>
+              </a:cxn>
+              <a:cxn ang="0">
+                <a:pos x="connsiteX10" y="connsiteY10"/>
+              </a:cxn>
+              <a:cxn ang="0">
+                <a:pos x="connsiteX11" y="connsiteY11"/>
+              </a:cxn>
+            </a:cxnLst>
+            <a:rect l="l" t="t" r="r" b="b"/>
+            <a:pathLst>
+              <a:path w="2544124" h="3182029">
+                <a:moveTo>
+                  <a:pt x="221625" y="0"/>
+                </a:moveTo>
+                <a:lnTo>
+                  <a:pt x="2225375" y="0"/>
+                </a:lnTo>
+                <a:cubicBezTo>
+                  <a:pt x="2347920" y="0"/>
+                  <a:pt x="2446348" y="99092"/>
+                  <a:pt x="2446348" y="221001"/>
+                </a:cubicBezTo>
+                <a:lnTo>
+                  <a:pt x="2446348" y="1498115"/>
+                </a:lnTo>
+                <a:lnTo>
+                  <a:pt x="2544124" y="1590688"/>
+                </a:lnTo>
+                <a:lnTo>
+                  <a:pt x="2446348" y="1683261"/>
+                </a:lnTo>
+                <a:lnTo>
+                  <a:pt x="2446348" y="2961027"/>
+                </a:lnTo>
+                <a:cubicBezTo>
+                  <a:pt x="2446348" y="3082937"/>
+                  <a:pt x="2347920" y="3182029"/>
+                  <a:pt x="2225375" y="3182029"/>
+                </a:cubicBezTo>
+                <a:lnTo>
+                  <a:pt x="221625" y="3182029"/>
+                </a:lnTo>
+                <a:cubicBezTo>
+                  <a:pt x="99079" y="3182029"/>
+                  <a:pt x="0" y="3082937"/>
+                  <a:pt x="0" y="2961027"/>
+                </a:cubicBezTo>
+                <a:lnTo>
+                  <a:pt x="0" y="221001"/>
+                </a:lnTo>
+                <a:cubicBezTo>
+                  <a:pt x="0" y="99092"/>
+                  <a:pt x="99079" y="0"/>
+                  <a:pt x="221625" y="0"/>
+                </a:cubicBezTo>
+                <a:close/>
+              </a:path>
+            </a:pathLst>
+          </a:custGeom>
+          <a:gradFill>
+            <a:gsLst>
+              <a:gs pos="0">
+                <a:schemeClr val="accent2"/>
+              </a:gs>
+              <a:gs pos="100000">
+                <a:schemeClr val="accent2">
+                  <a:alpha val="60000"/>
+                </a:schemeClr>
+              </a:gs>
+            </a:gsLst>
+            <a:lin ang="2700000" scaled="1"/>
+          </a:gradFill>
+          <a:ln>
+            <a:noFill/>
+          </a:ln>
+          <a:effectLst/>
+        </p:spPr>
+        <p:style>
+          <a:lnRef idx="2">
+            <a:schemeClr val="accent1">
+              <a:shade val="50000"/>
+            </a:schemeClr>
+          </a:lnRef>
+          <a:fillRef idx="1">
+            <a:schemeClr val="accent1"/>
+          </a:fillRef>
+          <a:effectRef idx="0">
+            <a:schemeClr val="accent1"/>
+          </a:effectRef>
+          <a:fontRef idx="minor">
+            <a:schemeClr val="lt1"/>
+          </a:fontRef>
+        </p:style>
+        <p:txBody>
+          <a:bodyPr rot="0" spcFirstLastPara="0" vertOverflow="overflow" horzOverflow="overflow" vert="horz" wrap="square" lIns="418348" tIns="463888" rIns="313486" bIns="821396" numCol="1" spcCol="0" rtlCol="0" fromWordArt="0" anchor="ctr" anchorCtr="0" forceAA="0" compatLnSpc="1">
+            <a:noAutofit/>
+          </a:bodyPr>
+          <a:lstStyle/>
+          <a:p>
+            <a:pPr>
+              <a:lnSpc>
+                <a:spcPct val="130000"/>
+              </a:lnSpc>
+            </a:pPr>
+            <a:r>
+              <a:rPr lang="zh-CN" altLang="zh-CN" dirty="0">
+                <a:solidFill>
+                  <a:srgbClr val="FFFFFF"/>
+                </a:solidFill>
+                <a:latin typeface="+mn-ea"/>
+                <a:cs typeface="+mn-ea"/>
+                <a:sym typeface="+mn-ea"/>
+              </a:rPr>
+              <a:t>单击此处输入你的正文，文字是您思想的提炼</a:t>
+            </a:r>
+            <a:endParaRPr lang="zh-CN" altLang="zh-CN" dirty="0">
+              <a:solidFill>
+                <a:srgbClr val="FFFFFF"/>
+              </a:solidFill>
+              <a:latin typeface="+mn-ea"/>
+              <a:cs typeface="+mn-ea"/>
+              <a:sym typeface="+mn-ea"/>
+            </a:endParaRPr>
+          </a:p>
+        </p:txBody>
+      </p:sp>
+      <p:sp>
+        <p:nvSpPr>
+          <p:cNvPr id="22" name="装饰"/>
+          <p:cNvSpPr/>
+          <p:nvPr>
+            <p:custDataLst>
+              <p:tags r:id="rId3"/>
+            </p:custDataLst>
+          </p:nvPr>
+        </p:nvSpPr>
+        <p:spPr>
+          <a:xfrm>
+            <a:off x="672353" y="2295821"/>
+            <a:ext cx="2544124" cy="3182029"/>
+          </a:xfrm>
+          <a:custGeom>
+            <a:avLst/>
+            <a:gdLst>
+              <a:gd name="adj" fmla="val 9036"/>
+              <a:gd name="a" fmla="pin 0 adj 50000"/>
+              <a:gd name="x1" fmla="*/ ss a 100000"/>
+              <a:gd name="x2" fmla="+- r 0 x1"/>
+              <a:gd name="y2" fmla="+- b 0 x1"/>
+              <a:gd name="il" fmla="*/ x1 29289 100000"/>
+              <a:gd name="ir" fmla="+- r 0 il"/>
+              <a:gd name="ib" fmla="+- b 0 il"/>
+            </a:gdLst>
+            <a:ahLst/>
+            <a:cxnLst>
+              <a:cxn ang="3">
+                <a:pos x="hc" y="t"/>
+              </a:cxn>
+              <a:cxn ang="cd2">
+                <a:pos x="l" y="vc"/>
+              </a:cxn>
+              <a:cxn ang="cd4">
+                <a:pos x="hc" y="b"/>
+              </a:cxn>
+              <a:cxn ang="0">
+                <a:pos x="r" y="vc"/>
+              </a:cxn>
+            </a:cxnLst>
+            <a:rect l="l" t="t" r="r" b="b"/>
+            <a:pathLst>
+              <a:path w="3903" h="4881">
+                <a:moveTo>
+                  <a:pt x="339" y="0"/>
+                </a:moveTo>
+                <a:lnTo>
+                  <a:pt x="3414" y="0"/>
+                </a:lnTo>
+                <a:cubicBezTo>
+                  <a:pt x="3601" y="0"/>
+                  <a:pt x="3753" y="152"/>
+                  <a:pt x="3753" y="339"/>
+                </a:cubicBezTo>
+                <a:lnTo>
+                  <a:pt x="3753" y="2298"/>
+                </a:lnTo>
+                <a:lnTo>
+                  <a:pt x="3903" y="2440"/>
+                </a:lnTo>
+                <a:lnTo>
+                  <a:pt x="3753" y="2582"/>
+                </a:lnTo>
+                <a:lnTo>
+                  <a:pt x="3753" y="4542"/>
+                </a:lnTo>
+                <a:cubicBezTo>
+                  <a:pt x="3753" y="4729"/>
+                  <a:pt x="3601" y="4881"/>
+                  <a:pt x="3414" y="4881"/>
+                </a:cubicBezTo>
+                <a:lnTo>
+                  <a:pt x="339" y="4881"/>
+                </a:lnTo>
+                <a:cubicBezTo>
+                  <a:pt x="152" y="4881"/>
+                  <a:pt x="0" y="4729"/>
+                  <a:pt x="0" y="4542"/>
+                </a:cubicBezTo>
+                <a:lnTo>
+                  <a:pt x="0" y="339"/>
+                </a:lnTo>
+                <a:cubicBezTo>
+                  <a:pt x="0" y="152"/>
+                  <a:pt x="152" y="0"/>
+                  <a:pt x="339" y="0"/>
+                </a:cubicBezTo>
+                <a:close/>
+              </a:path>
+            </a:pathLst>
+          </a:custGeom>
+          <a:gradFill>
+            <a:gsLst>
+              <a:gs pos="0">
+                <a:schemeClr val="accent1"/>
+              </a:gs>
+              <a:gs pos="100000">
+                <a:schemeClr val="accent1">
+                  <a:alpha val="60000"/>
+                </a:schemeClr>
+              </a:gs>
+            </a:gsLst>
+            <a:lin ang="2700000" scaled="1"/>
+          </a:gradFill>
+          <a:ln>
+            <a:noFill/>
+          </a:ln>
+          <a:effectLst/>
+        </p:spPr>
+        <p:style>
+          <a:lnRef idx="2">
+            <a:schemeClr val="accent1">
+              <a:shade val="50000"/>
+            </a:schemeClr>
+          </a:lnRef>
+          <a:fillRef idx="1">
+            <a:schemeClr val="accent1"/>
+          </a:fillRef>
+          <a:effectRef idx="0">
+            <a:schemeClr val="accent1"/>
+          </a:effectRef>
+          <a:fontRef idx="minor">
+            <a:schemeClr val="lt1"/>
+          </a:fontRef>
+        </p:style>
+        <p:txBody>
+          <a:bodyPr wrap="square" lIns="417942" tIns="463889" rIns="331037" bIns="820760" rtlCol="0" anchor="ctr">
+            <a:noAutofit/>
+          </a:bodyPr>
+          <a:lstStyle/>
+          <a:p>
+            <a:pPr>
+              <a:lnSpc>
+                <a:spcPct val="130000"/>
+              </a:lnSpc>
+            </a:pPr>
+            <a:r>
+              <a:rPr lang="zh-CN" altLang="zh-CN" dirty="0">
+                <a:solidFill>
+                  <a:srgbClr val="FFFFFF"/>
+                </a:solidFill>
+                <a:latin typeface="+mn-ea"/>
+                <a:cs typeface="+mn-ea"/>
+                <a:sym typeface="+mn-ea"/>
+              </a:rPr>
+              <a:t>单击此处输入你的正文，文字是您思想的提炼</a:t>
+            </a:r>
+            <a:endParaRPr lang="zh-CN" altLang="zh-CN" dirty="0">
+              <a:solidFill>
+                <a:srgbClr val="FFFFFF"/>
+              </a:solidFill>
+              <a:latin typeface="+mn-ea"/>
+              <a:cs typeface="+mn-ea"/>
+              <a:sym typeface="+mn-ea"/>
+            </a:endParaRPr>
+          </a:p>
+        </p:txBody>
+      </p:sp>
+      <p:sp>
+        <p:nvSpPr>
+          <p:cNvPr id="5" name="序号"/>
+          <p:cNvSpPr/>
+          <p:nvPr>
+            <p:custDataLst>
+              <p:tags r:id="rId4"/>
+            </p:custDataLst>
+          </p:nvPr>
+        </p:nvSpPr>
+        <p:spPr>
+          <a:xfrm>
+            <a:off x="6586996" y="4630352"/>
+            <a:ext cx="691037" cy="640187"/>
+          </a:xfrm>
+          <a:prstGeom prst="rect">
+            <a:avLst/>
+          </a:prstGeom>
+          <a:effectLst>
+            <a:outerShdw blurRad="177800" dist="76200" dir="2700000" algn="tl" rotWithShape="0">
+              <a:schemeClr val="accent1">
+                <a:lumMod val="75000"/>
+                <a:alpha val="40000"/>
+              </a:schemeClr>
+            </a:outerShdw>
+          </a:effectLst>
+        </p:spPr>
+        <p:txBody>
+          <a:bodyPr wrap="none" lIns="0" tIns="0" rIns="0" bIns="0" anchor="ctr">
+            <a:noAutofit/>
+          </a:bodyPr>
+          <a:lstStyle/>
+          <a:p>
+            <a:pPr lvl="0" algn="ctr">
+              <a:spcBef>
+                <a:spcPct val="0"/>
+              </a:spcBef>
+              <a:spcAft>
+                <a:spcPct val="0"/>
+              </a:spcAft>
+              <a:buClrTx/>
+              <a:buSzTx/>
+              <a:buFontTx/>
+            </a:pPr>
+            <a:r>
+              <a:rPr lang="en-US" sz="3600" b="1">
+                <a:solidFill>
+                  <a:srgbClr val="FFFFFF"/>
+                </a:solidFill>
+                <a:latin typeface="+mn-ea"/>
+                <a:cs typeface="+mn-ea"/>
+                <a:sym typeface="+mn-ea"/>
+              </a:rPr>
+              <a:t>03</a:t>
+            </a:r>
+            <a:endParaRPr lang="en-US" sz="3600" b="1" dirty="0">
+              <a:solidFill>
+                <a:srgbClr val="FFFFFF"/>
+              </a:solidFill>
+              <a:latin typeface="+mn-ea"/>
+              <a:cs typeface="+mn-ea"/>
+              <a:sym typeface="+mn-ea"/>
+            </a:endParaRPr>
+          </a:p>
+        </p:txBody>
+      </p:sp>
+      <p:sp>
+        <p:nvSpPr>
+          <p:cNvPr id="21" name="序号"/>
+          <p:cNvSpPr/>
+          <p:nvPr>
+            <p:custDataLst>
+              <p:tags r:id="rId5"/>
+            </p:custDataLst>
+          </p:nvPr>
+        </p:nvSpPr>
+        <p:spPr>
+          <a:xfrm>
+            <a:off x="3813721" y="4630352"/>
+            <a:ext cx="691037" cy="640187"/>
+          </a:xfrm>
+          <a:prstGeom prst="rect">
+            <a:avLst/>
+          </a:prstGeom>
+          <a:effectLst>
+            <a:outerShdw blurRad="177800" dist="76200" dir="2700000" algn="tl" rotWithShape="0">
+              <a:schemeClr val="accent2">
+                <a:lumMod val="75000"/>
+                <a:alpha val="40000"/>
+              </a:schemeClr>
+            </a:outerShdw>
+          </a:effectLst>
+        </p:spPr>
+        <p:txBody>
+          <a:bodyPr wrap="none" lIns="0" tIns="0" rIns="0" bIns="0" anchor="ctr">
+            <a:noAutofit/>
+          </a:bodyPr>
+          <a:lstStyle/>
+          <a:p>
+            <a:pPr lvl="0" algn="ctr">
+              <a:spcBef>
+                <a:spcPct val="0"/>
+              </a:spcBef>
+              <a:spcAft>
+                <a:spcPct val="0"/>
+              </a:spcAft>
+              <a:buClrTx/>
+              <a:buSzTx/>
+              <a:buFontTx/>
+            </a:pPr>
+            <a:r>
+              <a:rPr lang="en-US" sz="3600" b="1">
+                <a:solidFill>
+                  <a:srgbClr val="FFFFFF"/>
+                </a:solidFill>
+                <a:latin typeface="+mn-ea"/>
+                <a:cs typeface="+mn-ea"/>
+                <a:sym typeface="+mn-ea"/>
+              </a:rPr>
+              <a:t>02</a:t>
+            </a:r>
+            <a:endParaRPr lang="en-US" sz="3600" b="1" dirty="0">
+              <a:solidFill>
+                <a:srgbClr val="FFFFFF"/>
+              </a:solidFill>
+              <a:latin typeface="+mn-ea"/>
+              <a:cs typeface="+mn-ea"/>
+              <a:sym typeface="+mn-ea"/>
+            </a:endParaRPr>
+          </a:p>
+        </p:txBody>
+      </p:sp>
+      <p:sp>
+        <p:nvSpPr>
+          <p:cNvPr id="26" name="装饰"/>
+          <p:cNvSpPr/>
+          <p:nvPr>
+            <p:custDataLst>
+              <p:tags r:id="rId6"/>
+            </p:custDataLst>
+          </p:nvPr>
+        </p:nvSpPr>
+        <p:spPr>
+          <a:xfrm>
+            <a:off x="8992176" y="2295821"/>
+            <a:ext cx="2544124" cy="3182029"/>
+          </a:xfrm>
+          <a:custGeom>
+            <a:avLst/>
+            <a:gdLst>
+              <a:gd name="adj" fmla="val 9036"/>
+              <a:gd name="a" fmla="pin 0 adj 50000"/>
+              <a:gd name="x1" fmla="*/ ss a 100000"/>
+              <a:gd name="x2" fmla="+- r 0 x1"/>
+              <a:gd name="y2" fmla="+- b 0 x1"/>
+              <a:gd name="il" fmla="*/ x1 29289 100000"/>
+              <a:gd name="ir" fmla="+- r 0 il"/>
+              <a:gd name="ib" fmla="+- b 0 il"/>
+            </a:gdLst>
+            <a:ahLst/>
+            <a:cxnLst>
+              <a:cxn ang="3">
+                <a:pos x="hc" y="t"/>
+              </a:cxn>
+              <a:cxn ang="cd2">
+                <a:pos x="l" y="vc"/>
+              </a:cxn>
+              <a:cxn ang="cd4">
+                <a:pos x="hc" y="b"/>
+              </a:cxn>
+              <a:cxn ang="0">
+                <a:pos x="r" y="vc"/>
+              </a:cxn>
+            </a:cxnLst>
+            <a:rect l="l" t="t" r="r" b="b"/>
+            <a:pathLst>
+              <a:path w="3903" h="4881">
+                <a:moveTo>
+                  <a:pt x="339" y="0"/>
+                </a:moveTo>
+                <a:lnTo>
+                  <a:pt x="3414" y="0"/>
+                </a:lnTo>
+                <a:cubicBezTo>
+                  <a:pt x="3601" y="0"/>
+                  <a:pt x="3753" y="152"/>
+                  <a:pt x="3753" y="339"/>
+                </a:cubicBezTo>
+                <a:lnTo>
+                  <a:pt x="3753" y="2298"/>
+                </a:lnTo>
+                <a:lnTo>
+                  <a:pt x="3903" y="2440"/>
+                </a:lnTo>
+                <a:lnTo>
+                  <a:pt x="3753" y="2582"/>
+                </a:lnTo>
+                <a:lnTo>
+                  <a:pt x="3753" y="4542"/>
+                </a:lnTo>
+                <a:cubicBezTo>
+                  <a:pt x="3753" y="4729"/>
+                  <a:pt x="3601" y="4881"/>
+                  <a:pt x="3414" y="4881"/>
+                </a:cubicBezTo>
+                <a:lnTo>
+                  <a:pt x="339" y="4881"/>
+                </a:lnTo>
+                <a:cubicBezTo>
+                  <a:pt x="152" y="4881"/>
+                  <a:pt x="0" y="4729"/>
+                  <a:pt x="0" y="4542"/>
+                </a:cubicBezTo>
+                <a:lnTo>
+                  <a:pt x="0" y="339"/>
+                </a:lnTo>
+                <a:cubicBezTo>
+                  <a:pt x="0" y="152"/>
+                  <a:pt x="152" y="0"/>
+                  <a:pt x="339" y="0"/>
+                </a:cubicBezTo>
+                <a:close/>
+              </a:path>
+            </a:pathLst>
+          </a:custGeom>
+          <a:gradFill>
+            <a:gsLst>
+              <a:gs pos="0">
+                <a:schemeClr val="accent2"/>
+              </a:gs>
+              <a:gs pos="100000">
+                <a:schemeClr val="accent2">
+                  <a:alpha val="60000"/>
+                </a:schemeClr>
+              </a:gs>
+            </a:gsLst>
+            <a:lin ang="2700000" scaled="1"/>
+          </a:gradFill>
+          <a:ln>
+            <a:noFill/>
+          </a:ln>
+          <a:effectLst/>
+        </p:spPr>
+        <p:style>
+          <a:lnRef idx="2">
+            <a:schemeClr val="accent1">
+              <a:shade val="50000"/>
+            </a:schemeClr>
+          </a:lnRef>
+          <a:fillRef idx="1">
+            <a:schemeClr val="accent1"/>
+          </a:fillRef>
+          <a:effectRef idx="0">
+            <a:schemeClr val="accent1"/>
+          </a:effectRef>
+          <a:fontRef idx="minor">
+            <a:schemeClr val="lt1"/>
+          </a:fontRef>
+        </p:style>
+        <p:txBody>
+          <a:bodyPr vertOverflow="overflow" horzOverflow="overflow" vert="horz" wrap="square" lIns="417889" tIns="463889" rIns="339345" bIns="820760" numCol="1" spcCol="0" rtlCol="0" fromWordArt="0" anchor="ctr" anchorCtr="0" forceAA="0" compatLnSpc="1">
+            <a:noAutofit/>
+          </a:bodyPr>
+          <a:lstStyle/>
+          <a:p>
+            <a:pPr>
+              <a:lnSpc>
+                <a:spcPct val="130000"/>
+              </a:lnSpc>
+            </a:pPr>
+            <a:r>
+              <a:rPr lang="zh-CN" altLang="zh-CN" dirty="0">
+                <a:solidFill>
+                  <a:srgbClr val="FFFFFF"/>
+                </a:solidFill>
+                <a:latin typeface="+mn-ea"/>
+                <a:cs typeface="+mn-ea"/>
+                <a:sym typeface="+mn-ea"/>
+              </a:rPr>
+              <a:t>单击此处输入你的正文，文字是您思想的提炼</a:t>
+            </a:r>
+            <a:endParaRPr lang="zh-CN" altLang="zh-CN" dirty="0">
+              <a:solidFill>
+                <a:srgbClr val="FFFFFF"/>
+              </a:solidFill>
+              <a:latin typeface="+mn-ea"/>
+              <a:cs typeface="+mn-ea"/>
+              <a:sym typeface="+mn-ea"/>
+            </a:endParaRPr>
+          </a:p>
+        </p:txBody>
+      </p:sp>
+      <p:sp>
+        <p:nvSpPr>
+          <p:cNvPr id="25" name="序号"/>
+          <p:cNvSpPr/>
+          <p:nvPr>
+            <p:custDataLst>
+              <p:tags r:id="rId7"/>
+            </p:custDataLst>
+          </p:nvPr>
+        </p:nvSpPr>
+        <p:spPr>
+          <a:xfrm>
+            <a:off x="1040447" y="4630352"/>
+            <a:ext cx="691037" cy="640187"/>
+          </a:xfrm>
+          <a:prstGeom prst="rect">
+            <a:avLst/>
+          </a:prstGeom>
+          <a:effectLst>
+            <a:outerShdw blurRad="177800" dist="76200" dir="2700000" algn="tl" rotWithShape="0">
+              <a:schemeClr val="accent1">
+                <a:lumMod val="75000"/>
+                <a:alpha val="40000"/>
+              </a:schemeClr>
+            </a:outerShdw>
+          </a:effectLst>
+        </p:spPr>
+        <p:txBody>
+          <a:bodyPr wrap="none" lIns="0" tIns="0" rIns="0" bIns="0" anchor="ctr">
+            <a:noAutofit/>
+          </a:bodyPr>
+          <a:lstStyle/>
+          <a:p>
+            <a:pPr lvl="0" algn="ctr">
+              <a:spcBef>
+                <a:spcPct val="0"/>
+              </a:spcBef>
+              <a:spcAft>
+                <a:spcPct val="0"/>
+              </a:spcAft>
+              <a:buClrTx/>
+              <a:buSzTx/>
+              <a:buFontTx/>
+            </a:pPr>
+            <a:r>
+              <a:rPr lang="en-US" sz="3600" b="1" dirty="0">
+                <a:solidFill>
+                  <a:srgbClr val="FFFFFF"/>
+                </a:solidFill>
+                <a:latin typeface="+mn-ea"/>
+                <a:cs typeface="+mn-ea"/>
+                <a:sym typeface="+mn-ea"/>
+              </a:rPr>
+              <a:t>01</a:t>
+            </a:r>
+            <a:endParaRPr lang="en-US" sz="3600" b="1" dirty="0">
+              <a:solidFill>
+                <a:srgbClr val="FFFFFF"/>
+              </a:solidFill>
+              <a:latin typeface="+mn-ea"/>
+              <a:cs typeface="+mn-ea"/>
+              <a:sym typeface="+mn-ea"/>
+            </a:endParaRPr>
+          </a:p>
+        </p:txBody>
+      </p:sp>
+      <p:sp>
+        <p:nvSpPr>
+          <p:cNvPr id="29" name="序号"/>
+          <p:cNvSpPr/>
+          <p:nvPr>
+            <p:custDataLst>
+              <p:tags r:id="rId8"/>
+            </p:custDataLst>
+          </p:nvPr>
+        </p:nvSpPr>
+        <p:spPr>
+          <a:xfrm>
+            <a:off x="9360270" y="4630352"/>
+            <a:ext cx="691037" cy="640187"/>
+          </a:xfrm>
+          <a:prstGeom prst="rect">
+            <a:avLst/>
+          </a:prstGeom>
+          <a:effectLst>
+            <a:outerShdw blurRad="177800" dist="76200" dir="2700000" algn="tl" rotWithShape="0">
+              <a:schemeClr val="accent2">
+                <a:lumMod val="75000"/>
+                <a:alpha val="40000"/>
+              </a:schemeClr>
+            </a:outerShdw>
+          </a:effectLst>
+        </p:spPr>
+        <p:txBody>
+          <a:bodyPr wrap="none" lIns="0" tIns="0" rIns="0" bIns="0" anchor="ctr">
+            <a:noAutofit/>
+          </a:bodyPr>
+          <a:lstStyle/>
+          <a:p>
+            <a:pPr lvl="0" algn="ctr">
+              <a:spcBef>
+                <a:spcPct val="0"/>
+              </a:spcBef>
+              <a:spcAft>
+                <a:spcPct val="0"/>
+              </a:spcAft>
+              <a:buClrTx/>
+              <a:buSzTx/>
+              <a:buFontTx/>
+            </a:pPr>
+            <a:r>
+              <a:rPr lang="en-US" sz="3600" b="1">
+                <a:solidFill>
+                  <a:srgbClr val="FFFFFF"/>
+                </a:solidFill>
+                <a:latin typeface="+mn-ea"/>
+                <a:cs typeface="+mn-ea"/>
+                <a:sym typeface="+mn-ea"/>
+              </a:rPr>
+              <a:t>04</a:t>
+            </a:r>
+            <a:endParaRPr lang="en-US" sz="3600" b="1" dirty="0">
+              <a:solidFill>
+                <a:srgbClr val="FFFFFF"/>
+              </a:solidFill>
+              <a:latin typeface="+mn-ea"/>
+              <a:cs typeface="+mn-ea"/>
+              <a:sym typeface="+mn-ea"/>
+            </a:endParaRPr>
+          </a:p>
+        </p:txBody>
+      </p:sp>
+      <p:sp>
+        <p:nvSpPr>
+          <p:cNvPr id="6" name="标题 5"/>
+          <p:cNvSpPr>
+            <a:spLocks noGrp="1"/>
+          </p:cNvSpPr>
+          <p:nvPr>
+            <p:ph type="title"/>
+            <p:custDataLst>
+              <p:tags r:id="rId9"/>
+            </p:custDataLst>
+          </p:nvPr>
+        </p:nvSpPr>
+        <p:spPr/>
+        <p:txBody>
+          <a:bodyPr/>
+          <a:lstStyle/>
+          <a:p>
+            <a:r>
+              <a:rPr lang="zh-CN" altLang="en-US" sz="3200" dirty="0"/>
+              <a:t>单击此处添加标题</a:t>
+            </a:r>
+            <a:endParaRPr lang="zh-CN" altLang="en-US" dirty="0"/>
+          </a:p>
+        </p:txBody>
+      </p:sp>
+    </p:spTree>
+    <p:custDataLst>
+      <p:tags r:id="rId10"/>
+    </p:custDataLst>
+  </p:cSld>
+  <p:clrMapOvr>
+    <a:masterClrMapping/>
+  </p:clrMapOvr>
+</p:sld>
+</file>
+
+<file path=ppt/tags/tag1.xml><?xml version="1.0" encoding="utf-8"?>
+<p:tagLst xmlns:p="http://schemas.openxmlformats.org/presentationml/2006/main">
+  <p:tag name="KSO_WM_UNIT_ISCONTENTSTITLE" val="0"/>
+  <p:tag name="KSO_WM_UNIT_ISNUMDGMTITLE" val="0"/>
+  <p:tag name="KSO_WM_UNIT_NOCLEAR" val="0"/>
+  <p:tag name="KSO_WM_UNIT_VALUE" val="26"/>
+  <p:tag name="KSO_WM_UNIT_HIGHLIGHT" val="0"/>
+  <p:tag name="KSO_WM_UNIT_COMPATIBLE" val="0"/>
+  <p:tag name="KSO_WM_UNIT_DIAGRAM_ISNUMVISUAL" val="0"/>
+  <p:tag name="KSO_WM_UNIT_DIAGRAM_ISREFERUNIT" val="0"/>
+  <p:tag name="KSO_WM_UNIT_TYPE" val="a"/>
+  <p:tag name="KSO_WM_UNIT_INDEX" val="1"/>
+  <p:tag name="KSO_WM_UNIT_ID" val="custom20231170_1*a*1"/>
+  <p:tag name="KSO_WM_TEMPLATE_CATEGORY" val="custom"/>
+  <p:tag name="KSO_WM_TEMPLATE_INDEX" val="20231170"/>
+  <p:tag name="KSO_WM_UNIT_LAYERLEVEL" val="1"/>
+  <p:tag name="KSO_WM_TAG_VERSION" val="3.0"/>
+  <p:tag name="KSO_WM_BEAUTIFY_FLAG" val="#wm#"/>
+  <p:tag name="KSO_WM_UNIT_TEXT_TYPE" val="1"/>
+  <p:tag name="KSO_WM_UNIT_PRESET_TEXT" val="单击此处添加标题"/>
+</p:tagLst>
+</file>
+
+<file path=ppt/tags/tag10.xml><?xml version="1.0" encoding="utf-8"?>
+<p:tagLst xmlns:p="http://schemas.openxmlformats.org/presentationml/2006/main">
+  <p:tag name="KSO_WM_UNIT_SUBTYPE" val="a"/>
+  <p:tag name="KSO_WM_UNIT_NOCLEAR" val="0"/>
+  <p:tag name="KSO_WM_UNIT_VALUE" val="48"/>
+  <p:tag name="KSO_WM_UNIT_HIGHLIGHT" val="0"/>
+  <p:tag name="KSO_WM_UNIT_COMPATIBLE" val="0"/>
+  <p:tag name="KSO_WM_UNIT_DIAGRAM_ISNUMVISUAL" val="0"/>
+  <p:tag name="KSO_WM_UNIT_DIAGRAM_ISREFERUNIT" val="0"/>
+  <p:tag name="KSO_WM_DIAGRAM_GROUP_CODE" val="l1-1"/>
+  <p:tag name="KSO_WM_UNIT_TYPE" val="l_h_f"/>
+  <p:tag name="KSO_WM_UNIT_INDEX" val="1_1_1"/>
+  <p:tag name="KSO_WM_UNIT_ID" val="diagram20231299_3*l_h_f*1_1_1"/>
+  <p:tag name="KSO_WM_TEMPLATE_CATEGORY" val="diagram"/>
+  <p:tag name="KSO_WM_TEMPLATE_INDEX" val="20231299"/>
+  <p:tag name="KSO_WM_UNIT_LAYERLEVEL" val="1_1_1"/>
+  <p:tag name="KSO_WM_TAG_VERSION" val="3.0"/>
+  <p:tag name="KSO_WM_BEAUTIFY_FLAG" val="#wm#"/>
+  <p:tag name="KSO_WM_DIAGRAM_VERSION" val="3"/>
+  <p:tag name="KSO_WM_DIAGRAM_COLOR_TEXT_CAN_REMOVE" val="n"/>
+  <p:tag name="KSO_WM_DIAGRAM_MAX_ITEMCNT" val="6"/>
+  <p:tag name="KSO_WM_DIAGRAM_MIN_ITEMCNT" val="2"/>
+  <p:tag name="KSO_WM_DIAGRAM_VIRTUALLY_FRAME" val="{&quot;height&quot;:255.25,&quot;width&quot;:863.3301391601562}"/>
+  <p:tag name="KSO_WM_DIAGRAM_COLOR_MATCH_VALUE" val="{&quot;shape&quot;:{&quot;fill&quot;:{&quot;gradient&quot;:[{&quot;brightness&quot;:0,&quot;colorType&quot;:1,&quot;foreColorIndex&quot;:5,&quot;pos&quot;:0,&quot;transparency&quot;:0},{&quot;brightness&quot;:0,&quot;colorType&quot;:1,&quot;foreColorIndex&quot;:5,&quot;pos&quot;:1,&quot;transparency&quot;:0.4000000059604645}],&quot;type&quot;:3},&quot;glow&quot;:{&quot;colorType&quot;:0},&quot;line&quot;:{&quot;type&quot;:0},&quot;shadow&quot;:{&quot;colorType&quot;:0},&quot;threeD&quot;:{&quot;curvedSurface&quot;:{&quot;brightness&quot;:0,&quot;colorType&quot;:2,&quot;rgb&quot;:&quot;#000000&quot;},&quot;depth&quot;:{&quot;colorType&quot;:0}}},&quot;text&quot;:{&quot;fill&quot;:{&quot;solid&quot;:{&quot;brightness&quot;:0,&quot;colorType&quot;:2,&quot;rgb&quot;:&quot;#ffffff&quot;,&quot;transparency&quot;:0},&quot;type&quot;:1},&quot;glow&quot;:{&quot;colorType&quot;:0},&quot;line&quot;:{&quot;type&quot;:0},&quot;shadow&quot;:{&quot;colorType&quot;:0},&quot;threeD&quot;:{&quot;curvedSurface&quot;:{&quot;brightness&quot;:0,&quot;colorType&quot;:2,&quot;rgb&quot;:&quot;#000000&quot;},&quot;depth&quot;:{&quot;colorType&quot;:0}}}}"/>
+  <p:tag name="KSO_WM_UNIT_FILL_FORE_SCHEMECOLOR_INDEX_BRIGHTNESS" val="0"/>
+  <p:tag name="KSO_WM_DIAGRAM_COLOR_TRICK" val="2"/>
+  <p:tag name="KSO_WM_UNIT_TEXT_TYPE" val="1"/>
+  <p:tag name="KSO_WM_UNIT_PRESET_TEXT" val="单击此处输入你的正文，文字是您思想的提炼"/>
+  <p:tag name="KSO_WM_UNIT_FILL_TYPE" val="3"/>
+  <p:tag name="KSO_WM_UNIT_USESOURCEFORMAT_APPLY" val="0"/>
+</p:tagLst>
+</file>
+
+<file path=ppt/tags/tag11.xml><?xml version="1.0" encoding="utf-8"?>
+<p:tagLst xmlns:p="http://schemas.openxmlformats.org/presentationml/2006/main">
+  <p:tag name="KSO_WM_UNIT_HIGHLIGHT" val="0"/>
+  <p:tag name="KSO_WM_UNIT_COMPATIBLE" val="0"/>
+  <p:tag name="KSO_WM_UNIT_DIAGRAM_ISNUMVISUAL" val="0"/>
+  <p:tag name="KSO_WM_UNIT_DIAGRAM_ISREFERUNIT" val="0"/>
+  <p:tag name="KSO_WM_DIAGRAM_GROUP_CODE" val="l1-1"/>
+  <p:tag name="KSO_WM_UNIT_SUBTYPE" val="d"/>
+  <p:tag name="KSO_WM_UNIT_TYPE" val="l_h_i"/>
+  <p:tag name="KSO_WM_UNIT_INDEX" val="1_3_1"/>
+  <p:tag name="KSO_WM_UNIT_ID" val="diagram20231299_3*l_h_i*1_3_1"/>
+  <p:tag name="KSO_WM_TEMPLATE_CATEGORY" val="diagram"/>
+  <p:tag name="KSO_WM_TEMPLATE_INDEX" val="20231299"/>
+  <p:tag name="KSO_WM_UNIT_LAYERLEVEL" val="1_1_1"/>
+  <p:tag name="KSO_WM_TAG_VERSION" val="3.0"/>
+  <p:tag name="KSO_WM_BEAUTIFY_FLAG" val="#wm#"/>
+  <p:tag name="KSO_WM_DIAGRAM_VERSION" val="3"/>
+  <p:tag name="KSO_WM_DIAGRAM_COLOR_TEXT_CAN_REMOVE" val="n"/>
+  <p:tag name="KSO_WM_DIAGRAM_MAX_ITEMCNT" val="6"/>
+  <p:tag name="KSO_WM_DIAGRAM_MIN_ITEMCNT" val="2"/>
+  <p:tag name="KSO_WM_DIAGRAM_VIRTUALLY_FRAME" val="{&quot;height&quot;:255.25,&quot;width&quot;:863.3301391601562}"/>
+  <p:tag name="KSO_WM_DIAGRAM_COLOR_MATCH_VALUE" val="{&quot;shape&quot;:{&quot;fill&quot;:{&quot;type&quot;:0},&quot;glow&quot;:{&quot;colorType&quot;:0},&quot;line&quot;:{&quot;type&quot;:0},&quot;shadow&quot;:{&quot;brightness&quot;:-0.25,&quot;colorType&quot;:1,&quot;foreColorIndex&quot;:5,&quot;transparency&quot;:0.6000000238418579},&quot;threeD&quot;:{&quot;curvedSurface&quot;:{&quot;brightness&quot;:0,&quot;colorType&quot;:2,&quot;rgb&quot;:&quot;#000000&quot;},&quot;depth&quot;:{&quot;colorType&quot;:0}}},&quot;text&quot;:{&quot;fill&quot;:{&quot;solid&quot;:{&quot;brightness&quot;:0,&quot;colorType&quot;:2,&quot;rgb&quot;:&quot;#ffffff&quot;,&quot;transparency&quot;:0},&quot;type&quot;:1},&quot;glow&quot;:{&quot;colorType&quot;:0},&quot;line&quot;:{&quot;type&quot;:0},&quot;shadow&quot;:{&quot;colorType&quot;:0},&quot;threeD&quot;:{&quot;curvedSurface&quot;:{&quot;brightness&quot;:0,&quot;colorType&quot;:2,&quot;rgb&quot;:&quot;#000000&quot;},&quot;depth&quot;:{&quot;colorType&quot;:0}}}}"/>
+  <p:tag name="KSO_WM_DIAGRAM_COLOR_TRICK" val="2"/>
+  <p:tag name="KSO_WM_UNIT_SHADOW_SCHEMECOLOR_INDEX" val="5"/>
+  <p:tag name="KSO_WM_UNIT_USESOURCEFORMAT_APPLY" val="0"/>
+</p:tagLst>
+</file>
+
+<file path=ppt/tags/tag12.xml><?xml version="1.0" encoding="utf-8"?>
+<p:tagLst xmlns:p="http://schemas.openxmlformats.org/presentationml/2006/main">
+  <p:tag name="KSO_WM_UNIT_HIGHLIGHT" val="0"/>
+  <p:tag name="KSO_WM_UNIT_COMPATIBLE" val="0"/>
+  <p:tag name="KSO_WM_UNIT_DIAGRAM_ISNUMVISUAL" val="0"/>
+  <p:tag name="KSO_WM_UNIT_DIAGRAM_ISREFERUNIT" val="0"/>
+  <p:tag name="KSO_WM_DIAGRAM_GROUP_CODE" val="l1-1"/>
+  <p:tag name="KSO_WM_UNIT_SUBTYPE" val="d"/>
+  <p:tag name="KSO_WM_UNIT_TYPE" val="l_h_i"/>
+  <p:tag name="KSO_WM_UNIT_INDEX" val="1_2_1"/>
+  <p:tag name="KSO_WM_UNIT_ID" val="diagram20231299_3*l_h_i*1_2_1"/>
+  <p:tag name="KSO_WM_TEMPLATE_CATEGORY" val="diagram"/>
+  <p:tag name="KSO_WM_TEMPLATE_INDEX" val="20231299"/>
+  <p:tag name="KSO_WM_UNIT_LAYERLEVEL" val="1_1_1"/>
+  <p:tag name="KSO_WM_TAG_VERSION" val="3.0"/>
+  <p:tag name="KSO_WM_BEAUTIFY_FLAG" val="#wm#"/>
+  <p:tag name="KSO_WM_DIAGRAM_VERSION" val="3"/>
+  <p:tag name="KSO_WM_DIAGRAM_COLOR_TEXT_CAN_REMOVE" val="n"/>
+  <p:tag name="KSO_WM_DIAGRAM_MAX_ITEMCNT" val="6"/>
+  <p:tag name="KSO_WM_DIAGRAM_MIN_ITEMCNT" val="2"/>
+  <p:tag name="KSO_WM_DIAGRAM_VIRTUALLY_FRAME" val="{&quot;height&quot;:255.25,&quot;width&quot;:863.3301391601562}"/>
+  <p:tag name="KSO_WM_DIAGRAM_COLOR_MATCH_VALUE" val="{&quot;shape&quot;:{&quot;fill&quot;:{&quot;type&quot;:0},&quot;glow&quot;:{&quot;colorType&quot;:0},&quot;line&quot;:{&quot;type&quot;:0},&quot;shadow&quot;:{&quot;brightness&quot;:-0.25,&quot;colorType&quot;:1,&quot;foreColorIndex&quot;:6,&quot;transparency&quot;:0.6000000238418579},&quot;threeD&quot;:{&quot;curvedSurface&quot;:{&quot;brightness&quot;:0,&quot;colorType&quot;:2,&quot;rgb&quot;:&quot;#000000&quot;},&quot;depth&quot;:{&quot;colorType&quot;:0}}},&quot;text&quot;:{&quot;fill&quot;:{&quot;solid&quot;:{&quot;brightness&quot;:0,&quot;colorType&quot;:2,&quot;rgb&quot;:&quot;#ffffff&quot;,&quot;transparency&quot;:0},&quot;type&quot;:1},&quot;glow&quot;:{&quot;colorType&quot;:0},&quot;line&quot;:{&quot;type&quot;:0},&quot;shadow&quot;:{&quot;colorType&quot;:0},&quot;threeD&quot;:{&quot;curvedSurface&quot;:{&quot;brightness&quot;:0,&quot;colorType&quot;:2,&quot;rgb&quot;:&quot;#000000&quot;},&quot;depth&quot;:{&quot;colorType&quot;:0}}}}"/>
+  <p:tag name="KSO_WM_DIAGRAM_COLOR_TRICK" val="2"/>
+  <p:tag name="KSO_WM_UNIT_SHADOW_SCHEMECOLOR_INDEX" val="6"/>
+  <p:tag name="KSO_WM_UNIT_USESOURCEFORMAT_APPLY" val="0"/>
+</p:tagLst>
+</file>
+
+<file path=ppt/tags/tag13.xml><?xml version="1.0" encoding="utf-8"?>
+<p:tagLst xmlns:p="http://schemas.openxmlformats.org/presentationml/2006/main">
+  <p:tag name="KSO_WM_UNIT_SUBTYPE" val="a"/>
+  <p:tag name="KSO_WM_UNIT_NOCLEAR" val="0"/>
+  <p:tag name="KSO_WM_UNIT_HIGHLIGHT" val="0"/>
+  <p:tag name="KSO_WM_UNIT_COMPATIBLE" val="0"/>
+  <p:tag name="KSO_WM_UNIT_DIAGRAM_ISNUMVISUAL" val="0"/>
+  <p:tag name="KSO_WM_UNIT_DIAGRAM_ISREFERUNIT" val="0"/>
+  <p:tag name="KSO_WM_DIAGRAM_GROUP_CODE" val="l1-1"/>
+  <p:tag name="KSO_WM_UNIT_TYPE" val="l_h_f"/>
+  <p:tag name="KSO_WM_UNIT_INDEX" val="1_4_1"/>
+  <p:tag name="KSO_WM_UNIT_ID" val="diagram20231299_3*l_h_f*1_4_1"/>
+  <p:tag name="KSO_WM_TEMPLATE_CATEGORY" val="diagram"/>
+  <p:tag name="KSO_WM_TEMPLATE_INDEX" val="20231299"/>
+  <p:tag name="KSO_WM_UNIT_LAYERLEVEL" val="1_1_1"/>
+  <p:tag name="KSO_WM_TAG_VERSION" val="3.0"/>
+  <p:tag name="KSO_WM_BEAUTIFY_FLAG" val="#wm#"/>
+  <p:tag name="KSO_WM_DIAGRAM_VERSION" val="3"/>
+  <p:tag name="KSO_WM_DIAGRAM_COLOR_TEXT_CAN_REMOVE" val="n"/>
+  <p:tag name="KSO_WM_DIAGRAM_MAX_ITEMCNT" val="6"/>
+  <p:tag name="KSO_WM_DIAGRAM_MIN_ITEMCNT" val="2"/>
+  <p:tag name="KSO_WM_DIAGRAM_VIRTUALLY_FRAME" val="{&quot;height&quot;:255.25,&quot;width&quot;:863.3301391601562}"/>
+  <p:tag name="KSO_WM_DIAGRAM_COLOR_MATCH_VALUE" val="{&quot;shape&quot;:{&quot;fill&quot;:{&quot;gradient&quot;:[{&quot;brightness&quot;:0,&quot;colorType&quot;:1,&quot;foreColorIndex&quot;:6,&quot;pos&quot;:0,&quot;transparency&quot;:0},{&quot;brightness&quot;:0,&quot;colorType&quot;:1,&quot;foreColorIndex&quot;:6,&quot;pos&quot;:1,&quot;transparency&quot;:0.4000000059604645}],&quot;type&quot;:3},&quot;glow&quot;:{&quot;colorType&quot;:0},&quot;line&quot;:{&quot;type&quot;:0},&quot;shadow&quot;:{&quot;colorType&quot;:0},&quot;threeD&quot;:{&quot;curvedSurface&quot;:{&quot;brightness&quot;:0,&quot;colorType&quot;:2,&quot;rgb&quot;:&quot;#000000&quot;},&quot;depth&quot;:{&quot;colorType&quot;:0}}},&quot;text&quot;:{&quot;fill&quot;:{&quot;solid&quot;:{&quot;brightness&quot;:0,&quot;colorType&quot;:2,&quot;rgb&quot;:&quot;#ffffff&quot;,&quot;transparency&quot;:0},&quot;type&quot;:1},&quot;glow&quot;:{&quot;colorType&quot;:0},&quot;line&quot;:{&quot;type&quot;:0},&quot;shadow&quot;:{&quot;colorType&quot;:0},&quot;threeD&quot;:{&quot;curvedSurface&quot;:{&quot;brightness&quot;:0,&quot;colorType&quot;:2,&quot;rgb&quot;:&quot;#000000&quot;},&quot;depth&quot;:{&quot;colorType&quot;:0}}}}"/>
+  <p:tag name="KSO_WM_UNIT_FILL_FORE_SCHEMECOLOR_INDEX_BRIGHTNESS" val="0"/>
+  <p:tag name="KSO_WM_DIAGRAM_COLOR_TRICK" val="2"/>
+  <p:tag name="KSO_WM_UNIT_TEXT_TYPE" val="1"/>
+  <p:tag name="KSO_WM_UNIT_PRESET_TEXT" val="单击此处输入你的正文，文字是您思想的提炼"/>
+  <p:tag name="KSO_WM_UNIT_FILL_TYPE" val="3"/>
+  <p:tag name="KSO_WM_UNIT_USESOURCEFORMAT_APPLY" val="0"/>
+</p:tagLst>
+</file>
+
+<file path=ppt/tags/tag14.xml><?xml version="1.0" encoding="utf-8"?>
+<p:tagLst xmlns:p="http://schemas.openxmlformats.org/presentationml/2006/main">
+  <p:tag name="KSO_WM_UNIT_HIGHLIGHT" val="0"/>
+  <p:tag name="KSO_WM_UNIT_COMPATIBLE" val="0"/>
+  <p:tag name="KSO_WM_UNIT_DIAGRAM_ISNUMVISUAL" val="0"/>
+  <p:tag name="KSO_WM_UNIT_DIAGRAM_ISREFERUNIT" val="0"/>
+  <p:tag name="KSO_WM_DIAGRAM_GROUP_CODE" val="l1-1"/>
+  <p:tag name="KSO_WM_UNIT_SUBTYPE" val="d"/>
+  <p:tag name="KSO_WM_UNIT_TYPE" val="l_h_i"/>
+  <p:tag name="KSO_WM_UNIT_INDEX" val="1_1_1"/>
+  <p:tag name="KSO_WM_UNIT_ID" val="diagram20231299_3*l_h_i*1_1_1"/>
+  <p:tag name="KSO_WM_TEMPLATE_CATEGORY" val="diagram"/>
+  <p:tag name="KSO_WM_TEMPLATE_INDEX" val="20231299"/>
+  <p:tag name="KSO_WM_UNIT_LAYERLEVEL" val="1_1_1"/>
+  <p:tag name="KSO_WM_TAG_VERSION" val="3.0"/>
+  <p:tag name="KSO_WM_BEAUTIFY_FLAG" val="#wm#"/>
+  <p:tag name="KSO_WM_DIAGRAM_VERSION" val="3"/>
+  <p:tag name="KSO_WM_DIAGRAM_COLOR_TEXT_CAN_REMOVE" val="n"/>
+  <p:tag name="KSO_WM_DIAGRAM_MAX_ITEMCNT" val="6"/>
+  <p:tag name="KSO_WM_DIAGRAM_MIN_ITEMCNT" val="2"/>
+  <p:tag name="KSO_WM_DIAGRAM_VIRTUALLY_FRAME" val="{&quot;height&quot;:255.25,&quot;width&quot;:863.3301391601562}"/>
+  <p:tag name="KSO_WM_DIAGRAM_COLOR_MATCH_VALUE" val="{&quot;shape&quot;:{&quot;fill&quot;:{&quot;type&quot;:0},&quot;glow&quot;:{&quot;colorType&quot;:0},&quot;line&quot;:{&quot;type&quot;:0},&quot;shadow&quot;:{&quot;brightness&quot;:-0.25,&quot;colorType&quot;:1,&quot;foreColorIndex&quot;:5,&quot;transparency&quot;:0.6000000238418579},&quot;threeD&quot;:{&quot;curvedSurface&quot;:{&quot;brightness&quot;:0,&quot;colorType&quot;:2,&quot;rgb&quot;:&quot;#000000&quot;},&quot;depth&quot;:{&quot;colorType&quot;:0}}},&quot;text&quot;:{&quot;fill&quot;:{&quot;solid&quot;:{&quot;brightness&quot;:0,&quot;colorType&quot;:2,&quot;rgb&quot;:&quot;#ffffff&quot;,&quot;transparency&quot;:0},&quot;type&quot;:1},&quot;glow&quot;:{&quot;colorType&quot;:0},&quot;line&quot;:{&quot;type&quot;:0},&quot;shadow&quot;:{&quot;colorType&quot;:0},&quot;threeD&quot;:{&quot;curvedSurface&quot;:{&quot;brightness&quot;:0,&quot;colorType&quot;:2,&quot;rgb&quot;:&quot;#000000&quot;},&quot;depth&quot;:{&quot;colorType&quot;:0}}}}"/>
+  <p:tag name="KSO_WM_DIAGRAM_COLOR_TRICK" val="2"/>
+  <p:tag name="KSO_WM_UNIT_SHADOW_SCHEMECOLOR_INDEX" val="5"/>
+  <p:tag name="KSO_WM_UNIT_USESOURCEFORMAT_APPLY" val="0"/>
+</p:tagLst>
+</file>
+
+<file path=ppt/tags/tag15.xml><?xml version="1.0" encoding="utf-8"?>
+<p:tagLst xmlns:p="http://schemas.openxmlformats.org/presentationml/2006/main">
+  <p:tag name="KSO_WM_UNIT_HIGHLIGHT" val="0"/>
+  <p:tag name="KSO_WM_UNIT_COMPATIBLE" val="0"/>
+  <p:tag name="KSO_WM_UNIT_DIAGRAM_ISNUMVISUAL" val="0"/>
+  <p:tag name="KSO_WM_UNIT_DIAGRAM_ISREFERUNIT" val="0"/>
+  <p:tag name="KSO_WM_DIAGRAM_GROUP_CODE" val="l1-1"/>
+  <p:tag name="KSO_WM_UNIT_SUBTYPE" val="d"/>
+  <p:tag name="KSO_WM_UNIT_TYPE" val="l_h_i"/>
+  <p:tag name="KSO_WM_UNIT_INDEX" val="1_4_1"/>
+  <p:tag name="KSO_WM_UNIT_ID" val="diagram20231299_3*l_h_i*1_4_1"/>
+  <p:tag name="KSO_WM_TEMPLATE_CATEGORY" val="diagram"/>
+  <p:tag name="KSO_WM_TEMPLATE_INDEX" val="20231299"/>
+  <p:tag name="KSO_WM_UNIT_LAYERLEVEL" val="1_1_1"/>
+  <p:tag name="KSO_WM_TAG_VERSION" val="3.0"/>
+  <p:tag name="KSO_WM_BEAUTIFY_FLAG" val="#wm#"/>
+  <p:tag name="KSO_WM_DIAGRAM_VERSION" val="3"/>
+  <p:tag name="KSO_WM_DIAGRAM_COLOR_TEXT_CAN_REMOVE" val="n"/>
+  <p:tag name="KSO_WM_DIAGRAM_MAX_ITEMCNT" val="6"/>
+  <p:tag name="KSO_WM_DIAGRAM_MIN_ITEMCNT" val="2"/>
+  <p:tag name="KSO_WM_DIAGRAM_VIRTUALLY_FRAME" val="{&quot;height&quot;:255.25,&quot;width&quot;:863.3301391601562}"/>
+  <p:tag name="KSO_WM_DIAGRAM_COLOR_MATCH_VALUE" val="{&quot;shape&quot;:{&quot;fill&quot;:{&quot;type&quot;:0},&quot;glow&quot;:{&quot;colorType&quot;:0},&quot;line&quot;:{&quot;type&quot;:0},&quot;shadow&quot;:{&quot;brightness&quot;:-0.25,&quot;colorType&quot;:1,&quot;foreColorIndex&quot;:6,&quot;transparency&quot;:0.6000000238418579},&quot;threeD&quot;:{&quot;curvedSurface&quot;:{&quot;brightness&quot;:0,&quot;colorType&quot;:2,&quot;rgb&quot;:&quot;#000000&quot;},&quot;depth&quot;:{&quot;colorType&quot;:0}}},&quot;text&quot;:{&quot;fill&quot;:{&quot;solid&quot;:{&quot;brightness&quot;:0,&quot;colorType&quot;:2,&quot;rgb&quot;:&quot;#ffffff&quot;,&quot;transparency&quot;:0},&quot;type&quot;:1},&quot;glow&quot;:{&quot;colorType&quot;:0},&quot;line&quot;:{&quot;type&quot;:0},&quot;shadow&quot;:{&quot;colorType&quot;:0},&quot;threeD&quot;:{&quot;curvedSurface&quot;:{&quot;brightness&quot;:0,&quot;colorType&quot;:2,&quot;rgb&quot;:&quot;#000000&quot;},&quot;depth&quot;:{&quot;colorType&quot;:0}}}}"/>
+  <p:tag name="KSO_WM_DIAGRAM_COLOR_TRICK" val="2"/>
+  <p:tag name="KSO_WM_UNIT_SHADOW_SCHEMECOLOR_INDEX" val="6"/>
+  <p:tag name="KSO_WM_UNIT_USESOURCEFORMAT_APPLY" val="0"/>
+</p:tagLst>
+</file>
+
+<file path=ppt/tags/tag16.xml><?xml version="1.0" encoding="utf-8"?>
+<p:tagLst xmlns:p="http://schemas.openxmlformats.org/presentationml/2006/main">
+  <p:tag name="KSO_WM_UNIT_ISCONTENTSTITLE" val="0"/>
+  <p:tag name="KSO_WM_UNIT_ISNUMDGMTITLE" val="0"/>
+  <p:tag name="KSO_WM_UNIT_NOCLEAR" val="0"/>
+  <p:tag name="KSO_WM_UNIT_VALUE" val="30"/>
+  <p:tag name="KSO_WM_UNIT_HIGHLIGHT" val="0"/>
+  <p:tag name="KSO_WM_UNIT_COMPATIBLE" val="0"/>
+  <p:tag name="KSO_WM_UNIT_DIAGRAM_ISNUMVISUAL" val="0"/>
+  <p:tag name="KSO_WM_UNIT_DIAGRAM_ISREFERUNIT" val="0"/>
+  <p:tag name="KSO_WM_DIAGRAM_GROUP_CODE" val="l1-1"/>
+  <p:tag name="KSO_WM_UNIT_TYPE" val="a"/>
+  <p:tag name="KSO_WM_UNIT_INDEX" val="1"/>
+  <p:tag name="KSO_WM_UNIT_ID" val="diagram20231299_3*a*1"/>
+  <p:tag name="KSO_WM_TEMPLATE_CATEGORY" val="diagram"/>
+  <p:tag name="KSO_WM_TEMPLATE_INDEX" val="20231299"/>
+  <p:tag name="KSO_WM_UNIT_LAYERLEVEL" val="1"/>
+  <p:tag name="KSO_WM_TAG_VERSION" val="3.0"/>
+  <p:tag name="KSO_WM_BEAUTIFY_FLAG" val="#wm#"/>
+  <p:tag name="KSO_WM_UNIT_TEXT_TYPE" val="1"/>
+  <p:tag name="KSO_WM_UNIT_PRESET_TEXT" val="单击此处添加标题"/>
+  <p:tag name="KSO_WM_UNIT_TEXT_FILL_FORE_SCHEMECOLOR_INDEX" val="13"/>
+  <p:tag name="KSO_WM_UNIT_TEXT_FILL_TYPE" val="1"/>
+  <p:tag name="KSO_WM_UNIT_USESOURCEFORMAT_APPLY" val="0"/>
+</p:tagLst>
+</file>
+
+<file path=ppt/tags/tag17.xml><?xml version="1.0" encoding="utf-8"?>
+<p:tagLst xmlns:p="http://schemas.openxmlformats.org/presentationml/2006/main">
+  <p:tag name="KSO_WM_CHIP_INFOS" val="{&quot;name&quot;:&quot;Slide4&quot;,&quot;width&quot;:399.578,&quot;height&quot;:484.138,&quot;tags&quot;:{&quot;style&quot;:[&quot;简约&quot;],&quot;coloring&quot;:[&quot;多彩色&quot;]},&quot;slide_type&quot;:[&quot;text&quot;],&quot;type&quot;:&quot;diagram&quot;,&quot;match_code&quot;:&quot;l(h(f)h(f)h(f)h(f))&quot;,&quot;adjust_rule&quot;:{&quot;width_max&quot;:479.493,&quot;width_min&quot;:319.662,&quot;height_max&quot;:580.966,&quot;height_min&quot;:387.311},&quot;fill_rule&quot;:{&quot;fill_mode&quot;:&quot;adaptive&quot;,&quot;fill_align&quot;:&quot;cm&quot;},&quot;adapt_layouttype&quot;:[&quot;leftright&quot;,&quot;navigation&quot;],&quot;zoom_adjust&quot;:20}"/>
+  <p:tag name="KSO_WM_CHIP_XID" val="5e72d6780bf9d44aae6d4d1f"/>
+  <p:tag name="KSO_WM_SLIDE_ID" val="diagram20231299_3"/>
+  <p:tag name="KSO_WM_TEMPLATE_SUBCATEGORY" val="0"/>
+  <p:tag name="KSO_WM_TEMPLATE_MASTER_TYPE" val="0"/>
+  <p:tag name="KSO_WM_TEMPLATE_COLOR_TYPE" val="0"/>
+  <p:tag name="KSO_WM_SLIDE_TYPE" val="text"/>
+  <p:tag name="KSO_WM_SLIDE_SUBTYPE" val="diag"/>
+  <p:tag name="KSO_WM_SLIDE_ITEM_CNT" val="4"/>
+  <p:tag name="KSO_WM_SLIDE_INDEX" val="3"/>
+  <p:tag name="KSO_WM_SLIDE_SIZE" val="855.429*250.554"/>
+  <p:tag name="KSO_WM_SLIDE_POSITION" val="52.9412*180.773"/>
+  <p:tag name="KSO_WM_DIAGRAM_GROUP_CODE" val="l1-1"/>
+  <p:tag name="KSO_WM_SLIDE_DIAGTYPE" val="l"/>
+  <p:tag name="KSO_WM_TAG_VERSION" val="3.0"/>
+  <p:tag name="KSO_WM_BEAUTIFY_FLAG" val="#wm#"/>
+  <p:tag name="KSO_WM_TEMPLATE_CATEGORY" val="custom"/>
+  <p:tag name="KSO_WM_TEMPLATE_INDEX" val="20231170"/>
+  <p:tag name="KSO_WM_SLIDE_LAYOUT" val="a_l"/>
+  <p:tag name="KSO_WM_SLIDE_LAYOUT_CNT" val="1_1"/>
+</p:tagLst>
+</file>
+
+<file path=ppt/tags/tag2.xml><?xml version="1.0" encoding="utf-8"?>
+<p:tagLst xmlns:p="http://schemas.openxmlformats.org/presentationml/2006/main">
+  <p:tag name="KSO_WM_UNIT_ISCONTENTSTITLE" val="0"/>
+  <p:tag name="KSO_WM_UNIT_ISNUMDGMTITLE" val="0"/>
+  <p:tag name="KSO_WM_UNIT_NOCLEAR" val="0"/>
+  <p:tag name="KSO_WM_UNIT_HIGHLIGHT" val="0"/>
+  <p:tag name="KSO_WM_UNIT_COMPATIBLE" val="0"/>
+  <p:tag name="KSO_WM_UNIT_DIAGRAM_ISNUMVISUAL" val="0"/>
+  <p:tag name="KSO_WM_UNIT_DIAGRAM_ISREFERUNIT" val="0"/>
+  <p:tag name="KSO_WM_UNIT_TYPE" val="c_a"/>
+  <p:tag name="KSO_WM_UNIT_INDEX" val="1_1"/>
+  <p:tag name="KSO_WM_UNIT_ID" val="custom20231170_1*c_a*1_1"/>
+  <p:tag name="KSO_WM_TEMPLATE_CATEGORY" val="custom"/>
+  <p:tag name="KSO_WM_TEMPLATE_INDEX" val="20231170"/>
+  <p:tag name="KSO_WM_UNIT_LAYERLEVEL" val="1_1"/>
+  <p:tag name="KSO_WM_TAG_VERSION" val="3.0"/>
+  <p:tag name="KSO_WM_BEAUTIFY_FLAG" val="#wm#"/>
+  <p:tag name="KSO_WM_UNIT_TEXT_TYPE" val="1"/>
+  <p:tag name="KSO_WM_UNIT_PRESET_TEXT" val="单击此处添加标题内容"/>
+</p:tagLst>
+</file>
+
+<file path=ppt/tags/tag3.xml><?xml version="1.0" encoding="utf-8"?>
+<p:tagLst xmlns:p="http://schemas.openxmlformats.org/presentationml/2006/main">
+  <p:tag name="KSO_WM_UNIT_HIGHLIGHT" val="0"/>
+  <p:tag name="KSO_WM_UNIT_COMPATIBLE" val="0"/>
+  <p:tag name="KSO_WM_UNIT_DIAGRAM_ISNUMVISUAL" val="0"/>
+  <p:tag name="KSO_WM_UNIT_DIAGRAM_ISREFERUNIT" val="0"/>
+  <p:tag name="KSO_WM_UNIT_TYPE" val="i"/>
+  <p:tag name="KSO_WM_UNIT_INDEX" val="1"/>
+  <p:tag name="KSO_WM_UNIT_ID" val="custom20231170_1*i*1"/>
+  <p:tag name="KSO_WM_TEMPLATE_CATEGORY" val="custom"/>
+  <p:tag name="KSO_WM_TEMPLATE_INDEX" val="20231170"/>
+  <p:tag name="KSO_WM_UNIT_LAYERLEVEL" val="1"/>
+  <p:tag name="KSO_WM_TAG_VERSION" val="3.0"/>
+  <p:tag name="KSO_WM_BEAUTIFY_FLAG" val="#wm#"/>
+</p:tagLst>
+</file>
+
+<file path=ppt/tags/tag4.xml><?xml version="1.0" encoding="utf-8"?>
+<p:tagLst xmlns:p="http://schemas.openxmlformats.org/presentationml/2006/main">
+  <p:tag name="KSO_WM_BEAUTIFY_FLAG" val="#wm#"/>
+  <p:tag name="KSO_WM_UNIT_CHART_MATCH_MAX_SERIES_COUNT" val="0"/>
+  <p:tag name="KSO_WM_UNIT_CHART_MATCH_MIN_SERIES_COUNT" val="0"/>
+  <p:tag name="KSO_WM_UNIT_HIGHLIGHT" val="0"/>
+  <p:tag name="KSO_WM_UNIT_COMPATIBLE" val="0"/>
+  <p:tag name="KSO_WM_UNIT_DIAGRAM_ISNUMVISUAL" val="0"/>
+  <p:tag name="KSO_WM_UNIT_DIAGRAM_ISREFERUNIT" val="0"/>
+  <p:tag name="KSO_WM_UNIT_TYPE" val="α"/>
+  <p:tag name="KSO_WM_UNIT_INDEX" val="1"/>
+  <p:tag name="KSO_WM_UNIT_ID" val="custom20231170_1*α*1"/>
+  <p:tag name="KSO_WM_TEMPLATE_CATEGORY" val="custom"/>
+  <p:tag name="KSO_WM_TEMPLATE_INDEX" val="20231170"/>
+  <p:tag name="KSO_WM_UNIT_LAYERLEVEL" val="1"/>
+  <p:tag name="KSO_WM_TAG_VERSION" val="3.0"/>
+</p:tagLst>
+</file>
+
+<file path=ppt/tags/tag5.xml><?xml version="1.0" encoding="utf-8"?>
+<p:tagLst xmlns:p="http://schemas.openxmlformats.org/presentationml/2006/main">
+  <p:tag name="KSO_WM_UNIT_SUBTYPE" val="a"/>
+  <p:tag name="KSO_WM_UNIT_NOCLEAR" val="0"/>
+  <p:tag name="KSO_WM_UNIT_VALUE" val="60"/>
+  <p:tag name="KSO_WM_UNIT_HIGHLIGHT" val="0"/>
+  <p:tag name="KSO_WM_UNIT_COMPATIBLE" val="0"/>
+  <p:tag name="KSO_WM_UNIT_DIAGRAM_ISNUMVISUAL" val="0"/>
+  <p:tag name="KSO_WM_UNIT_DIAGRAM_ISREFERUNIT" val="0"/>
+  <p:tag name="KSO_WM_UNIT_TYPE" val="c_f"/>
+  <p:tag name="KSO_WM_UNIT_INDEX" val="1_1"/>
+  <p:tag name="KSO_WM_UNIT_ID" val="custom20231170_1*c_f*1_1"/>
+  <p:tag name="KSO_WM_TEMPLATE_CATEGORY" val="custom"/>
+  <p:tag name="KSO_WM_TEMPLATE_INDEX" val="20231170"/>
+  <p:tag name="KSO_WM_UNIT_LAYERLEVEL" val="1_1"/>
+  <p:tag name="KSO_WM_TAG_VERSION" val="3.0"/>
+  <p:tag name="KSO_WM_BEAUTIFY_FLAG" val="#wm#"/>
+  <p:tag name="KSO_WM_UNIT_TEXT_FILL_FORE_SCHEMECOLOR_INDEX_BRIGHTNESS" val="0.25"/>
+  <p:tag name="KSO_WM_UNIT_TEXT_FILL_FORE_SCHEMECOLOR_INDEX" val="13"/>
+  <p:tag name="KSO_WM_UNIT_TEXT_FILL_TYPE" val="1"/>
+  <p:tag name="KSO_WM_UNIT_TEXT_TYPE" val="1"/>
+  <p:tag name="KSO_WM_UNIT_TEXT_LAYER_COUNT" val="1"/>
+  <p:tag name="KSO_WM_UNIT_PRESET_TEXT" val="单击此处添加文本具体内容，简明扼要地阐述您的观点。根据需要可酌情增减文字，以便观者准确地理解您传达的思想"/>
+</p:tagLst>
+</file>
+
+<file path=ppt/tags/tag6.xml><?xml version="1.0" encoding="utf-8"?>
+<p:tagLst xmlns:p="http://schemas.openxmlformats.org/presentationml/2006/main">
+  <p:tag name="KSO_WM_UNIT_VALUE" val="1207*1043"/>
+  <p:tag name="KSO_WM_UNIT_HIGHLIGHT" val="0"/>
+  <p:tag name="KSO_WM_UNIT_COMPATIBLE" val="0"/>
+  <p:tag name="KSO_WM_UNIT_DIAGRAM_ISNUMVISUAL" val="0"/>
+  <p:tag name="KSO_WM_UNIT_DIAGRAM_ISREFERUNIT" val="0"/>
+  <p:tag name="KSO_WM_UNIT_TYPE" val="d"/>
+  <p:tag name="KSO_WM_UNIT_INDEX" val="1"/>
+  <p:tag name="KSO_WM_UNIT_ID" val="custom20231170_1*d*1"/>
+  <p:tag name="KSO_WM_TEMPLATE_CATEGORY" val="custom"/>
+  <p:tag name="KSO_WM_TEMPLATE_INDEX" val="20231170"/>
+  <p:tag name="KSO_WM_UNIT_LAYERLEVEL" val="1"/>
+  <p:tag name="KSO_WM_TAG_VERSION" val="3.0"/>
+  <p:tag name="KSO_WM_BEAUTIFY_FLAG" val="#wm#"/>
+  <p:tag name="KSO_WM_UNIT_PICTURE_SUBTYPE" val="b"/>
+</p:tagLst>
+</file>
+
+<file path=ppt/tags/tag7.xml><?xml version="1.0" encoding="utf-8"?>
+<p:tagLst xmlns:p="http://schemas.openxmlformats.org/presentationml/2006/main">
+  <p:tag name="KSO_WM_BEAUTIFY_FLAG" val="#wm#"/>
+  <p:tag name="KSO_WM_TEMPLATE_CATEGORY" val="custom"/>
+  <p:tag name="KSO_WM_TEMPLATE_INDEX" val="20231170"/>
+  <p:tag name="KSO_WM_SLIDE_ID" val="custom20231170_1"/>
+  <p:tag name="KSO_WM_TEMPLATE_SUBCATEGORY" val="0"/>
+  <p:tag name="KSO_WM_TEMPLATE_MASTER_TYPE" val="0"/>
+  <p:tag name="KSO_WM_TEMPLATE_COLOR_TYPE" val="0"/>
+  <p:tag name="KSO_WM_SLIDE_TYPE" val="text"/>
+  <p:tag name="KSO_WM_SLIDE_SUBTYPE" val="picTxt"/>
+  <p:tag name="KSO_WM_SLIDE_ITEM_CNT" val="0"/>
+  <p:tag name="KSO_WM_SLIDE_INDEX" val="1"/>
+  <p:tag name="KSO_WM_SLIDE_SIZE" val="413.9*68.2"/>
+  <p:tag name="KSO_WM_SLIDE_POSITION" val="79.65*184.8"/>
+  <p:tag name="KSO_WM_TAG_VERSION" val="3.0"/>
+  <p:tag name="KSO_WM_SLIDE_LAYOUT" val="a_d_α_c"/>
+  <p:tag name="KSO_WM_SLIDE_LAYOUT_CNT" val="1_1_1_1"/>
+</p:tagLst>
+</file>
+
+<file path=ppt/tags/tag8.xml><?xml version="1.0" encoding="utf-8"?>
+<p:tagLst xmlns:p="http://schemas.openxmlformats.org/presentationml/2006/main">
+  <p:tag name="KSO_WM_UNIT_SUBTYPE" val="a"/>
+  <p:tag name="KSO_WM_UNIT_NOCLEAR" val="0"/>
+  <p:tag name="KSO_WM_UNIT_VALUE" val="48"/>
+  <p:tag name="KSO_WM_UNIT_HIGHLIGHT" val="0"/>
+  <p:tag name="KSO_WM_UNIT_COMPATIBLE" val="0"/>
+  <p:tag name="KSO_WM_UNIT_DIAGRAM_ISNUMVISUAL" val="0"/>
+  <p:tag name="KSO_WM_UNIT_DIAGRAM_ISREFERUNIT" val="0"/>
+  <p:tag name="KSO_WM_DIAGRAM_GROUP_CODE" val="l1-1"/>
+  <p:tag name="KSO_WM_UNIT_TYPE" val="l_h_f"/>
+  <p:tag name="KSO_WM_UNIT_INDEX" val="1_3_1"/>
+  <p:tag name="KSO_WM_UNIT_ID" val="diagram20231299_3*l_h_f*1_3_1"/>
+  <p:tag name="KSO_WM_TEMPLATE_CATEGORY" val="diagram"/>
+  <p:tag name="KSO_WM_TEMPLATE_INDEX" val="20231299"/>
+  <p:tag name="KSO_WM_UNIT_LAYERLEVEL" val="1_1_1"/>
+  <p:tag name="KSO_WM_TAG_VERSION" val="3.0"/>
+  <p:tag name="KSO_WM_BEAUTIFY_FLAG" val="#wm#"/>
+  <p:tag name="KSO_WM_DIAGRAM_VERSION" val="3"/>
+  <p:tag name="KSO_WM_DIAGRAM_COLOR_TEXT_CAN_REMOVE" val="n"/>
+  <p:tag name="KSO_WM_DIAGRAM_MAX_ITEMCNT" val="6"/>
+  <p:tag name="KSO_WM_DIAGRAM_MIN_ITEMCNT" val="2"/>
+  <p:tag name="KSO_WM_DIAGRAM_VIRTUALLY_FRAME" val="{&quot;height&quot;:255.25,&quot;width&quot;:863.3301391601562}"/>
+  <p:tag name="KSO_WM_DIAGRAM_COLOR_MATCH_VALUE" val="{&quot;shape&quot;:{&quot;fill&quot;:{&quot;gradient&quot;:[{&quot;brightness&quot;:0,&quot;colorType&quot;:1,&quot;foreColorIndex&quot;:5,&quot;pos&quot;:0,&quot;transparency&quot;:0},{&quot;brightness&quot;:0,&quot;colorType&quot;:1,&quot;foreColorIndex&quot;:5,&quot;pos&quot;:1,&quot;transparency&quot;:0.4000000059604645}],&quot;type&quot;:3},&quot;glow&quot;:{&quot;colorType&quot;:0},&quot;line&quot;:{&quot;type&quot;:0},&quot;shadow&quot;:{&quot;colorType&quot;:0},&quot;threeD&quot;:{&quot;curvedSurface&quot;:{&quot;brightness&quot;:0,&quot;colorType&quot;:2,&quot;rgb&quot;:&quot;#000000&quot;},&quot;depth&quot;:{&quot;colorType&quot;:0}}},&quot;text&quot;:{&quot;fill&quot;:{&quot;solid&quot;:{&quot;brightness&quot;:0,&quot;colorType&quot;:2,&quot;rgb&quot;:&quot;#ffffff&quot;,&quot;transparency&quot;:0},&quot;type&quot;:1},&quot;glow&quot;:{&quot;colorType&quot;:0},&quot;line&quot;:{&quot;type&quot;:0},&quot;shadow&quot;:{&quot;colorType&quot;:0},&quot;threeD&quot;:{&quot;curvedSurface&quot;:{&quot;brightness&quot;:0,&quot;colorType&quot;:2,&quot;rgb&quot;:&quot;#000000&quot;},&quot;depth&quot;:{&quot;colorType&quot;:0}}}}"/>
+  <p:tag name="KSO_WM_UNIT_FILL_FORE_SCHEMECOLOR_INDEX_BRIGHTNESS" val="0"/>
+  <p:tag name="KSO_WM_DIAGRAM_COLOR_TRICK" val="2"/>
+  <p:tag name="KSO_WM_UNIT_TEXT_TYPE" val="1"/>
+  <p:tag name="KSO_WM_UNIT_PRESET_TEXT" val="单击此处输入你的正文，文字是您思想的提炼"/>
+  <p:tag name="KSO_WM_UNIT_FILL_TYPE" val="3"/>
+  <p:tag name="KSO_WM_UNIT_USESOURCEFORMAT_APPLY" val="0"/>
+</p:tagLst>
+</file>
+
+<file path=ppt/tags/tag9.xml><?xml version="1.0" encoding="utf-8"?>
+<p:tagLst xmlns:p="http://schemas.openxmlformats.org/presentationml/2006/main">
+  <p:tag name="KSO_WM_UNIT_SUBTYPE" val="a"/>
+  <p:tag name="KSO_WM_UNIT_NOCLEAR" val="0"/>
+  <p:tag name="KSO_WM_UNIT_HIGHLIGHT" val="0"/>
+  <p:tag name="KSO_WM_UNIT_COMPATIBLE" val="0"/>
+  <p:tag name="KSO_WM_UNIT_DIAGRAM_ISNUMVISUAL" val="0"/>
+  <p:tag name="KSO_WM_UNIT_DIAGRAM_ISREFERUNIT" val="0"/>
+  <p:tag name="KSO_WM_DIAGRAM_GROUP_CODE" val="l1-1"/>
+  <p:tag name="KSO_WM_UNIT_TYPE" val="l_h_f"/>
+  <p:tag name="KSO_WM_UNIT_INDEX" val="1_2_1"/>
+  <p:tag name="KSO_WM_UNIT_ID" val="diagram20231299_3*l_h_f*1_2_1"/>
+  <p:tag name="KSO_WM_TEMPLATE_CATEGORY" val="diagram"/>
+  <p:tag name="KSO_WM_TEMPLATE_INDEX" val="20231299"/>
+  <p:tag name="KSO_WM_UNIT_LAYERLEVEL" val="1_1_1"/>
+  <p:tag name="KSO_WM_TAG_VERSION" val="3.0"/>
+  <p:tag name="KSO_WM_BEAUTIFY_FLAG" val="#wm#"/>
+  <p:tag name="KSO_WM_DIAGRAM_VERSION" val="3"/>
+  <p:tag name="KSO_WM_DIAGRAM_COLOR_TEXT_CAN_REMOVE" val="n"/>
+  <p:tag name="KSO_WM_DIAGRAM_MAX_ITEMCNT" val="6"/>
+  <p:tag name="KSO_WM_DIAGRAM_MIN_ITEMCNT" val="2"/>
+  <p:tag name="KSO_WM_DIAGRAM_VIRTUALLY_FRAME" val="{&quot;height&quot;:255.25,&quot;width&quot;:863.3301391601562}"/>
+  <p:tag name="KSO_WM_DIAGRAM_COLOR_MATCH_VALUE" val="{&quot;shape&quot;:{&quot;fill&quot;:{&quot;gradient&quot;:[{&quot;brightness&quot;:0,&quot;colorType&quot;:1,&quot;foreColorIndex&quot;:6,&quot;pos&quot;:0,&quot;transparency&quot;:0},{&quot;brightness&quot;:0,&quot;colorType&quot;:1,&quot;foreColorIndex&quot;:6,&quot;pos&quot;:1,&quot;transparency&quot;:0.4000000059604645}],&quot;type&quot;:3},&quot;glow&quot;:{&quot;colorType&quot;:0},&quot;line&quot;:{&quot;type&quot;:0},&quot;shadow&quot;:{&quot;colorType&quot;:0},&quot;threeD&quot;:{&quot;curvedSurface&quot;:{&quot;brightness&quot;:0,&quot;colorType&quot;:2,&quot;rgb&quot;:&quot;#000000&quot;},&quot;depth&quot;:{&quot;colorType&quot;:0}}},&quot;text&quot;:{&quot;fill&quot;:{&quot;solid&quot;:{&quot;brightness&quot;:0,&quot;colorType&quot;:2,&quot;rgb&quot;:&quot;#ffffff&quot;,&quot;transparency&quot;:0},&quot;type&quot;:1},&quot;glow&quot;:{&quot;colorType&quot;:0},&quot;line&quot;:{&quot;type&quot;:0},&quot;shadow&quot;:{&quot;colorType&quot;:0},&quot;threeD&quot;:{&quot;curvedSurface&quot;:{&quot;brightness&quot;:0,&quot;colorType&quot;:2,&quot;rgb&quot;:&quot;#000000&quot;},&quot;depth&quot;:{&quot;colorType&quot;:0}}}}"/>
+  <p:tag name="KSO_WM_UNIT_FILL_FORE_SCHEMECOLOR_INDEX_BRIGHTNESS" val="0"/>
+  <p:tag name="KSO_WM_DIAGRAM_COLOR_TRICK" val="2"/>
+  <p:tag name="KSO_WM_UNIT_TEXT_TYPE" val="1"/>
+  <p:tag name="KSO_WM_UNIT_PRESET_TEXT" val="单击此处输入你的正文，文字是您思想的提炼"/>
+  <p:tag name="KSO_WM_UNIT_FILL_TYPE" val="3"/>
+  <p:tag name="KSO_WM_UNIT_USESOURCEFORMAT_APPLY" val="0"/>
+</p:tagLst>
+</file>
+
 <file path=ppt/theme/theme1.xml><?xml version="1.0" encoding="utf-8"?>
 <a:theme xmlns:a="http://schemas.openxmlformats.org/drawingml/2006/main" name="WPS">
   <a:themeElements>
@@ -3215,4 +6439,263 @@
     </a:ext>
   </a:extLst>
 </a:theme>
+</file>
+
+<file path=ppt/theme/theme2.xml><?xml version="1.0" encoding="utf-8"?>
+<a:theme xmlns:a="http://schemas.openxmlformats.org/drawingml/2006/main" name="Office 主题">
+  <a:themeElements>
+    <a:clrScheme name="Office">
+      <a:dk1>
+        <a:sysClr val="windowText" lastClr="000000"/>
+      </a:dk1>
+      <a:lt1>
+        <a:sysClr val="window" lastClr="FFFFFF"/>
+      </a:lt1>
+      <a:dk2>
+        <a:srgbClr val="44546A"/>
+      </a:dk2>
+      <a:lt2>
+        <a:srgbClr val="E7E6E6"/>
+      </a:lt2>
+      <a:accent1>
+        <a:srgbClr val="5B9BD5"/>
+      </a:accent1>
+      <a:accent2>
+        <a:srgbClr val="ED7D31"/>
+      </a:accent2>
+      <a:accent3>
+        <a:srgbClr val="A5A5A5"/>
+      </a:accent3>
+      <a:accent4>
+        <a:srgbClr val="FFC000"/>
+      </a:accent4>
+      <a:accent5>
+        <a:srgbClr val="4472C4"/>
+      </a:accent5>
+      <a:accent6>
+        <a:srgbClr val="70AD47"/>
+      </a:accent6>
+      <a:hlink>
+        <a:srgbClr val="0563C1"/>
+      </a:hlink>
+      <a:folHlink>
+        <a:srgbClr val="954F72"/>
+      </a:folHlink>
+    </a:clrScheme>
+    <a:fontScheme name="Office">
+      <a:majorFont>
+        <a:latin typeface="Calibri Light"/>
+        <a:ea typeface=""/>
+        <a:cs typeface=""/>
+        <a:font script="Jpan" typeface="ＭＳ Ｐゴシック"/>
+        <a:font script="Hang" typeface="맑은 고딕"/>
+        <a:font script="Hans" typeface="宋体"/>
+        <a:font script="Hant" typeface="新細明體"/>
+        <a:font script="Arab" typeface="Times New Roman"/>
+        <a:font script="Hebr" typeface="Times New Roman"/>
+        <a:font script="Thai" typeface="Angsana New"/>
+        <a:font script="Ethi" typeface="Nyala"/>
+        <a:font script="Beng" typeface="Vrinda"/>
+        <a:font script="Gujr" typeface="Shruti"/>
+        <a:font script="Khmr" typeface="MoolBoran"/>
+        <a:font script="Knda" typeface="Tunga"/>
+        <a:font script="Guru" typeface="Raavi"/>
+        <a:font script="Cans" typeface="Euphemia"/>
+        <a:font script="Cher" typeface="Plantagenet Cherokee"/>
+        <a:font script="Yiii" typeface="Microsoft Yi Baiti"/>
+        <a:font script="Tibt" typeface="Microsoft Himalaya"/>
+        <a:font script="Thaa" typeface="MV Boli"/>
+        <a:font script="Deva" typeface="Mangal"/>
+        <a:font script="Telu" typeface="Gautami"/>
+        <a:font script="Taml" typeface="Latha"/>
+        <a:font script="Syrc" typeface="Estrangelo Edessa"/>
+        <a:font script="Orya" typeface="Kalinga"/>
+        <a:font script="Mlym" typeface="Kartika"/>
+        <a:font script="Laoo" typeface="DokChampa"/>
+        <a:font script="Sinh" typeface="Iskoola Pota"/>
+        <a:font script="Mong" typeface="Mongolian Baiti"/>
+        <a:font script="Viet" typeface="Times New Roman"/>
+        <a:font script="Uigh" typeface="Microsoft Uighur"/>
+        <a:font script="Geor" typeface="Sylfaen"/>
+      </a:majorFont>
+      <a:minorFont>
+        <a:latin typeface="Calibri"/>
+        <a:ea typeface=""/>
+        <a:cs typeface=""/>
+        <a:font script="Jpan" typeface="ＭＳ Ｐゴシック"/>
+        <a:font script="Hang" typeface="맑은 고딕"/>
+        <a:font script="Hans" typeface="宋体"/>
+        <a:font script="Hant" typeface="新細明體"/>
+        <a:font script="Arab" typeface="Arial"/>
+        <a:font script="Hebr" typeface="Arial"/>
+        <a:font script="Thai" typeface="Cordia New"/>
+        <a:font script="Ethi" typeface="Nyala"/>
+        <a:font script="Beng" typeface="Vrinda"/>
+        <a:font script="Gujr" typeface="Shruti"/>
+        <a:font script="Khmr" typeface="DaunPenh"/>
+        <a:font script="Knda" typeface="Tunga"/>
+        <a:font script="Guru" typeface="Raavi"/>
+        <a:font script="Cans" typeface="Euphemia"/>
+        <a:font script="Cher" typeface="Plantagenet Cherokee"/>
+        <a:font script="Yiii" typeface="Microsoft Yi Baiti"/>
+        <a:font script="Tibt" typeface="Microsoft Himalaya"/>
+        <a:font script="Thaa" typeface="MV Boli"/>
+        <a:font script="Deva" typeface="Mangal"/>
+        <a:font script="Telu" typeface="Gautami"/>
+        <a:font script="Taml" typeface="Latha"/>
+        <a:font script="Syrc" typeface="Estrangelo Edessa"/>
+        <a:font script="Orya" typeface="Kalinga"/>
+        <a:font script="Mlym" typeface="Kartika"/>
+        <a:font script="Laoo" typeface="DokChampa"/>
+        <a:font script="Sinh" typeface="Iskoola Pota"/>
+        <a:font script="Mong" typeface="Mongolian Baiti"/>
+        <a:font script="Viet" typeface="Arial"/>
+        <a:font script="Uigh" typeface="Microsoft Uighur"/>
+        <a:font script="Geor" typeface="Sylfaen"/>
+      </a:minorFont>
+    </a:fontScheme>
+    <a:fmtScheme name="Office">
+      <a:fillStyleLst>
+        <a:solidFill>
+          <a:schemeClr val="phClr"/>
+        </a:solidFill>
+        <a:gradFill rotWithShape="1">
+          <a:gsLst>
+            <a:gs pos="0">
+              <a:schemeClr val="phClr">
+                <a:lumMod val="110000"/>
+                <a:satMod val="105000"/>
+                <a:tint val="67000"/>
+              </a:schemeClr>
+            </a:gs>
+            <a:gs pos="50000">
+              <a:schemeClr val="phClr">
+                <a:lumMod val="105000"/>
+                <a:satMod val="103000"/>
+                <a:tint val="73000"/>
+              </a:schemeClr>
+            </a:gs>
+            <a:gs pos="100000">
+              <a:schemeClr val="phClr">
+                <a:lumMod val="105000"/>
+                <a:satMod val="109000"/>
+                <a:tint val="81000"/>
+              </a:schemeClr>
+            </a:gs>
+          </a:gsLst>
+          <a:lin ang="5400000" scaled="0"/>
+        </a:gradFill>
+        <a:gradFill rotWithShape="1">
+          <a:gsLst>
+            <a:gs pos="0">
+              <a:schemeClr val="phClr">
+                <a:satMod val="103000"/>
+                <a:lumMod val="102000"/>
+                <a:tint val="94000"/>
+              </a:schemeClr>
+            </a:gs>
+            <a:gs pos="50000">
+              <a:schemeClr val="phClr">
+                <a:satMod val="110000"/>
+                <a:lumMod val="100000"/>
+                <a:shade val="100000"/>
+              </a:schemeClr>
+            </a:gs>
+            <a:gs pos="100000">
+              <a:schemeClr val="phClr">
+                <a:lumMod val="99000"/>
+                <a:satMod val="120000"/>
+                <a:shade val="78000"/>
+              </a:schemeClr>
+            </a:gs>
+          </a:gsLst>
+          <a:lin ang="5400000" scaled="0"/>
+        </a:gradFill>
+      </a:fillStyleLst>
+      <a:lnStyleLst>
+        <a:ln w="6350" cap="flat" cmpd="sng" algn="ctr">
+          <a:solidFill>
+            <a:schemeClr val="phClr"/>
+          </a:solidFill>
+          <a:prstDash val="solid"/>
+          <a:miter lim="800000"/>
+        </a:ln>
+        <a:ln w="12700" cap="flat" cmpd="sng" algn="ctr">
+          <a:solidFill>
+            <a:schemeClr val="phClr"/>
+          </a:solidFill>
+          <a:prstDash val="solid"/>
+          <a:miter lim="800000"/>
+        </a:ln>
+        <a:ln w="19050" cap="flat" cmpd="sng" algn="ctr">
+          <a:solidFill>
+            <a:schemeClr val="phClr"/>
+          </a:solidFill>
+          <a:prstDash val="solid"/>
+          <a:miter lim="800000"/>
+        </a:ln>
+      </a:lnStyleLst>
+      <a:effectStyleLst>
+        <a:effectStyle>
+          <a:effectLst/>
+        </a:effectStyle>
+        <a:effectStyle>
+          <a:effectLst/>
+        </a:effectStyle>
+        <a:effectStyle>
+          <a:effectLst>
+            <a:outerShdw blurRad="57150" dist="19050" dir="5400000" algn="ctr" rotWithShape="0">
+              <a:srgbClr val="000000">
+                <a:alpha val="63000"/>
+              </a:srgbClr>
+            </a:outerShdw>
+          </a:effectLst>
+        </a:effectStyle>
+      </a:effectStyleLst>
+      <a:bgFillStyleLst>
+        <a:solidFill>
+          <a:schemeClr val="phClr"/>
+        </a:solidFill>
+        <a:solidFill>
+          <a:schemeClr val="phClr">
+            <a:tint val="95000"/>
+            <a:satMod val="170000"/>
+          </a:schemeClr>
+        </a:solidFill>
+        <a:gradFill rotWithShape="1">
+          <a:gsLst>
+            <a:gs pos="0">
+              <a:schemeClr val="phClr">
+                <a:tint val="93000"/>
+                <a:satMod val="150000"/>
+                <a:shade val="98000"/>
+                <a:lumMod val="102000"/>
+              </a:schemeClr>
+            </a:gs>
+            <a:gs pos="50000">
+              <a:schemeClr val="phClr">
+                <a:tint val="98000"/>
+                <a:satMod val="130000"/>
+                <a:shade val="90000"/>
+                <a:lumMod val="103000"/>
+              </a:schemeClr>
+            </a:gs>
+            <a:gs pos="100000">
+              <a:schemeClr val="phClr">
+                <a:shade val="63000"/>
+                <a:satMod val="120000"/>
+              </a:schemeClr>
+            </a:gs>
+          </a:gsLst>
+          <a:lin ang="5400000" scaled="0"/>
+        </a:gradFill>
+      </a:bgFillStyleLst>
+    </a:fmtScheme>
+  </a:themeElements>
+  <a:extLst>
+    <a:ext uri="{05A4C25C-085E-4340-85A3-A5531E510DB2}">
+      <thm15:themeFamily xmlns:thm15="http://schemas.microsoft.com/office/thememl/2012/main" name="Office Theme" id="{62F939B6-93AF-4DB8-9C6B-D6C7DFDC589F}" vid="{4A3C46E8-61CC-4603-A589-7422A47A8E4A}"/>
+    </a:ext>
+  </a:extLst>
+</a:theme>
 </file>